--- a/Presentación proyecto.pptx
+++ b/Presentación proyecto.pptx
@@ -5,10 +5,10 @@
     <p:sldMasterId id="2147483648" r:id="rId1"/>
   </p:sldMasterIdLst>
   <p:notesMasterIdLst>
-    <p:notesMasterId r:id="rId22"/>
+    <p:notesMasterId r:id="rId32"/>
   </p:notesMasterIdLst>
   <p:handoutMasterIdLst>
-    <p:handoutMasterId r:id="rId23"/>
+    <p:handoutMasterId r:id="rId33"/>
   </p:handoutMasterIdLst>
   <p:sldIdLst>
     <p:sldId id="256" r:id="rId3"/>
@@ -30,6 +30,16 @@
     <p:sldId id="272" r:id="rId19"/>
     <p:sldId id="273" r:id="rId20"/>
     <p:sldId id="274" r:id="rId21"/>
+    <p:sldId id="275" r:id="rId22"/>
+    <p:sldId id="276" r:id="rId23"/>
+    <p:sldId id="277" r:id="rId24"/>
+    <p:sldId id="283" r:id="rId25"/>
+    <p:sldId id="279" r:id="rId26"/>
+    <p:sldId id="284" r:id="rId27"/>
+    <p:sldId id="285" r:id="rId28"/>
+    <p:sldId id="286" r:id="rId29"/>
+    <p:sldId id="287" r:id="rId30"/>
+    <p:sldId id="288" r:id="rId31"/>
   </p:sldIdLst>
   <p:sldSz cx="12192000" cy="6858000"/>
   <p:notesSz cx="7103745" cy="10234295"/>
@@ -131,7 +141,7 @@
   <p:extLst>
     <p:ext uri="{EFAFB233-063F-42B5-8137-9DF3F51BA10A}">
       <p15:sldGuideLst xmlns:p15="http://schemas.microsoft.com/office/powerpoint/2012/main">
-        <p15:guide id="1" orient="horz" pos="2160" userDrawn="1">
+        <p15:guide id="1" orient="horz" pos="2121" userDrawn="1">
           <p15:clr>
             <a:srgbClr val="A4A3A4"/>
           </p15:clr>
@@ -5036,7 +5046,23 @@
             <a:pPr indent="457200"/>
             <a:r>
               <a:rPr lang="es-ES" altLang="en-US"/>
-              <a:t>- </a:t>
+              <a:t>- Springboot: para realizar la api rest.</a:t>
+            </a:r>
+            <a:endParaRPr lang="es-ES" altLang="en-US"/>
+          </a:p>
+          <a:p>
+            <a:pPr indent="457200"/>
+            <a:r>
+              <a:rPr lang="es-ES" altLang="en-US"/>
+              <a:t>- Para comprobar el funcionamiento utilizaremos la aplicación</a:t>
+            </a:r>
+            <a:endParaRPr lang="es-ES" altLang="en-US"/>
+          </a:p>
+          <a:p>
+            <a:pPr indent="457200"/>
+            <a:r>
+              <a:rPr lang="es-ES" altLang="en-US"/>
+              <a:t>  Postman.</a:t>
             </a:r>
             <a:endParaRPr lang="es-ES" altLang="en-US"/>
           </a:p>
@@ -5127,6 +5153,1436 @@
             <a:r>
               <a:rPr lang="es-ES" altLang="en-US"/>
               <a:t>- Técnologias usadas</a:t>
+            </a:r>
+            <a:endParaRPr lang="es-ES" altLang="en-US"/>
+          </a:p>
+          <a:p>
+            <a:r>
+              <a:rPr lang="es-ES" altLang="en-US"/>
+              <a:t>- Resumen</a:t>
+            </a:r>
+            <a:endParaRPr lang="es-ES" altLang="en-US"/>
+          </a:p>
+          <a:p>
+            <a:r>
+              <a:rPr lang="es-ES" altLang="en-US"/>
+              <a:t>- Bibliografía</a:t>
+            </a:r>
+            <a:endParaRPr lang="es-ES" altLang="en-US"/>
+          </a:p>
+        </p:txBody>
+      </p:sp>
+    </p:spTree>
+  </p:cSld>
+  <p:clrMapOvr>
+    <a:masterClrMapping/>
+  </p:clrMapOvr>
+</p:sld>
+</file>
+
+<file path=ppt/slides/slide20.xml><?xml version="1.0" encoding="utf-8"?>
+<p:sld xmlns:a="http://schemas.openxmlformats.org/drawingml/2006/main" xmlns:r="http://schemas.openxmlformats.org/officeDocument/2006/relationships" xmlns:p="http://schemas.openxmlformats.org/presentationml/2006/main">
+  <p:cSld>
+    <p:spTree>
+      <p:nvGrpSpPr>
+        <p:cNvPr id="1" name=""/>
+        <p:cNvGrpSpPr/>
+        <p:nvPr/>
+      </p:nvGrpSpPr>
+      <p:grpSpPr/>
+      <p:sp>
+        <p:nvSpPr>
+          <p:cNvPr id="2" name="Título 1"/>
+          <p:cNvSpPr>
+            <a:spLocks noGrp="1"/>
+          </p:cNvSpPr>
+          <p:nvPr>
+            <p:ph type="title"/>
+          </p:nvPr>
+        </p:nvSpPr>
+        <p:spPr/>
+        <p:txBody>
+          <a:bodyPr/>
+          <a:p>
+            <a:r>
+              <a:rPr lang="es-ES" altLang="en-US"/>
+              <a:t>Tecnologia: JPA</a:t>
+            </a:r>
+            <a:endParaRPr lang="es-ES" altLang="en-US"/>
+          </a:p>
+        </p:txBody>
+      </p:sp>
+      <p:sp>
+        <p:nvSpPr>
+          <p:cNvPr id="3" name="Marcador de posición de contenido 2"/>
+          <p:cNvSpPr>
+            <a:spLocks noGrp="1"/>
+          </p:cNvSpPr>
+          <p:nvPr>
+            <p:ph idx="1"/>
+          </p:nvPr>
+        </p:nvSpPr>
+        <p:spPr/>
+        <p:txBody>
+          <a:bodyPr/>
+          <a:p>
+            <a:r>
+              <a:rPr lang="es-ES" altLang="en-US"/>
+              <a:t>Utilizada principalmente para la relación entre las entidades y consultas derivadas.</a:t>
+            </a:r>
+            <a:endParaRPr lang="es-ES" altLang="en-US"/>
+          </a:p>
+        </p:txBody>
+      </p:sp>
+      <p:pic>
+        <p:nvPicPr>
+          <p:cNvPr id="4" name="Imagen 3" descr="jpa1"/>
+          <p:cNvPicPr>
+            <a:picLocks noChangeAspect="1"/>
+          </p:cNvPicPr>
+          <p:nvPr/>
+        </p:nvPicPr>
+        <p:blipFill>
+          <a:blip r:embed="rId1"/>
+          <a:stretch>
+            <a:fillRect/>
+          </a:stretch>
+        </p:blipFill>
+        <p:spPr>
+          <a:xfrm>
+            <a:off x="647700" y="2783205"/>
+            <a:ext cx="5108575" cy="2835910"/>
+          </a:xfrm>
+          <a:prstGeom prst="rect">
+            <a:avLst/>
+          </a:prstGeom>
+        </p:spPr>
+      </p:pic>
+      <p:pic>
+        <p:nvPicPr>
+          <p:cNvPr id="5" name="Imagen 4" descr="jpa2"/>
+          <p:cNvPicPr>
+            <a:picLocks noChangeAspect="1"/>
+          </p:cNvPicPr>
+          <p:nvPr/>
+        </p:nvPicPr>
+        <p:blipFill>
+          <a:blip r:embed="rId2"/>
+          <a:stretch>
+            <a:fillRect/>
+          </a:stretch>
+        </p:blipFill>
+        <p:spPr>
+          <a:xfrm>
+            <a:off x="5852795" y="2773680"/>
+            <a:ext cx="5685155" cy="2845435"/>
+          </a:xfrm>
+          <a:prstGeom prst="rect">
+            <a:avLst/>
+          </a:prstGeom>
+        </p:spPr>
+      </p:pic>
+    </p:spTree>
+  </p:cSld>
+  <p:clrMapOvr>
+    <a:masterClrMapping/>
+  </p:clrMapOvr>
+</p:sld>
+</file>
+
+<file path=ppt/slides/slide21.xml><?xml version="1.0" encoding="utf-8"?>
+<p:sld xmlns:a="http://schemas.openxmlformats.org/drawingml/2006/main" xmlns:r="http://schemas.openxmlformats.org/officeDocument/2006/relationships" xmlns:p="http://schemas.openxmlformats.org/presentationml/2006/main">
+  <p:cSld>
+    <p:spTree>
+      <p:nvGrpSpPr>
+        <p:cNvPr id="1" name=""/>
+        <p:cNvGrpSpPr/>
+        <p:nvPr/>
+      </p:nvGrpSpPr>
+      <p:grpSpPr/>
+      <p:sp>
+        <p:nvSpPr>
+          <p:cNvPr id="2" name="Título 1"/>
+          <p:cNvSpPr>
+            <a:spLocks noGrp="1"/>
+          </p:cNvSpPr>
+          <p:nvPr>
+            <p:ph type="title"/>
+          </p:nvPr>
+        </p:nvSpPr>
+        <p:spPr/>
+        <p:txBody>
+          <a:bodyPr/>
+          <a:p>
+            <a:pPr algn="ctr"/>
+            <a:r>
+              <a:rPr lang="es-ES" altLang="en-US"/>
+              <a:t>Tecnologia:  Springboot</a:t>
+            </a:r>
+            <a:endParaRPr lang="es-ES" altLang="en-US"/>
+          </a:p>
+        </p:txBody>
+      </p:sp>
+      <p:sp>
+        <p:nvSpPr>
+          <p:cNvPr id="3" name="Marcador de posición de contenido 2"/>
+          <p:cNvSpPr>
+            <a:spLocks noGrp="1"/>
+          </p:cNvSpPr>
+          <p:nvPr>
+            <p:ph idx="1"/>
+          </p:nvPr>
+        </p:nvSpPr>
+        <p:spPr/>
+        <p:txBody>
+          <a:bodyPr/>
+          <a:p>
+            <a:r>
+              <a:rPr lang="es-ES" altLang="en-US"/>
+              <a:t>La utilizaremos principalmente para la comunicación entre máquinas para las operaciones CRUD a  las bases de datos.</a:t>
+            </a:r>
+            <a:endParaRPr lang="es-ES" altLang="en-US"/>
+          </a:p>
+          <a:p>
+            <a:endParaRPr lang="es-ES" altLang="en-US"/>
+          </a:p>
+        </p:txBody>
+      </p:sp>
+      <p:pic>
+        <p:nvPicPr>
+          <p:cNvPr id="4" name="Imagen 3" descr="controller1"/>
+          <p:cNvPicPr>
+            <a:picLocks noChangeAspect="1"/>
+          </p:cNvPicPr>
+          <p:nvPr/>
+        </p:nvPicPr>
+        <p:blipFill>
+          <a:blip r:embed="rId1"/>
+          <a:stretch>
+            <a:fillRect/>
+          </a:stretch>
+        </p:blipFill>
+        <p:spPr>
+          <a:xfrm>
+            <a:off x="833120" y="4535805"/>
+            <a:ext cx="4614545" cy="1868805"/>
+          </a:xfrm>
+          <a:prstGeom prst="rect">
+            <a:avLst/>
+          </a:prstGeom>
+        </p:spPr>
+      </p:pic>
+      <p:pic>
+        <p:nvPicPr>
+          <p:cNvPr id="5" name="Imagen 4" descr="get"/>
+          <p:cNvPicPr>
+            <a:picLocks noChangeAspect="1"/>
+          </p:cNvPicPr>
+          <p:nvPr/>
+        </p:nvPicPr>
+        <p:blipFill>
+          <a:blip r:embed="rId2"/>
+          <a:stretch>
+            <a:fillRect/>
+          </a:stretch>
+        </p:blipFill>
+        <p:spPr>
+          <a:xfrm>
+            <a:off x="6548755" y="2755900"/>
+            <a:ext cx="4614545" cy="3910330"/>
+          </a:xfrm>
+          <a:prstGeom prst="rect">
+            <a:avLst/>
+          </a:prstGeom>
+        </p:spPr>
+      </p:pic>
+      <p:sp>
+        <p:nvSpPr>
+          <p:cNvPr id="6" name="Cuadro de texto 5"/>
+          <p:cNvSpPr txBox="1"/>
+          <p:nvPr/>
+        </p:nvSpPr>
+        <p:spPr>
+          <a:xfrm>
+            <a:off x="956310" y="2872740"/>
+            <a:ext cx="4259580" cy="368300"/>
+          </a:xfrm>
+          <a:prstGeom prst="rect">
+            <a:avLst/>
+          </a:prstGeom>
+          <a:noFill/>
+        </p:spPr>
+        <p:txBody>
+          <a:bodyPr wrap="square" rtlCol="0">
+            <a:spAutoFit/>
+          </a:bodyPr>
+          <a:p>
+            <a:endParaRPr lang="es-ES" altLang="en-US"/>
+          </a:p>
+        </p:txBody>
+      </p:sp>
+      <p:sp>
+        <p:nvSpPr>
+          <p:cNvPr id="7" name="Cuadro de texto 6"/>
+          <p:cNvSpPr txBox="1"/>
+          <p:nvPr/>
+        </p:nvSpPr>
+        <p:spPr>
+          <a:xfrm>
+            <a:off x="1083310" y="2999740"/>
+            <a:ext cx="4259580" cy="368300"/>
+          </a:xfrm>
+          <a:prstGeom prst="rect">
+            <a:avLst/>
+          </a:prstGeom>
+          <a:noFill/>
+        </p:spPr>
+        <p:txBody>
+          <a:bodyPr wrap="square" rtlCol="0">
+            <a:spAutoFit/>
+          </a:bodyPr>
+          <a:p>
+            <a:endParaRPr lang="es-ES" altLang="en-US"/>
+          </a:p>
+        </p:txBody>
+      </p:sp>
+      <p:sp>
+        <p:nvSpPr>
+          <p:cNvPr id="8" name="Cuadro de texto 7"/>
+          <p:cNvSpPr txBox="1"/>
+          <p:nvPr/>
+        </p:nvSpPr>
+        <p:spPr>
+          <a:xfrm>
+            <a:off x="1463675" y="3550920"/>
+            <a:ext cx="2366645" cy="368300"/>
+          </a:xfrm>
+          <a:prstGeom prst="rect">
+            <a:avLst/>
+          </a:prstGeom>
+          <a:solidFill>
+            <a:srgbClr val="B4DF5A"/>
+          </a:solidFill>
+        </p:spPr>
+        <p:txBody>
+          <a:bodyPr wrap="square" rtlCol="0">
+            <a:spAutoFit/>
+          </a:bodyPr>
+          <a:p>
+            <a:r>
+              <a:rPr lang="es-ES" altLang="en-US"/>
+              <a:t>Inicializamos la clase</a:t>
+            </a:r>
+            <a:endParaRPr lang="es-ES" altLang="en-US"/>
+          </a:p>
+        </p:txBody>
+      </p:sp>
+      <p:sp>
+        <p:nvSpPr>
+          <p:cNvPr id="9" name="Cuadro de texto 8"/>
+          <p:cNvSpPr txBox="1"/>
+          <p:nvPr/>
+        </p:nvSpPr>
+        <p:spPr>
+          <a:xfrm>
+            <a:off x="647700" y="2875915"/>
+            <a:ext cx="4810125" cy="368300"/>
+          </a:xfrm>
+          <a:prstGeom prst="rect">
+            <a:avLst/>
+          </a:prstGeom>
+          <a:solidFill>
+            <a:srgbClr val="B4DF5A"/>
+          </a:solidFill>
+        </p:spPr>
+        <p:txBody>
+          <a:bodyPr wrap="square" rtlCol="0">
+            <a:noAutofit/>
+          </a:bodyPr>
+          <a:p>
+            <a:pPr algn="ctr"/>
+            <a:r>
+              <a:rPr lang="es-ES" altLang="en-US" sz="1600">
+                <a:solidFill>
+                  <a:schemeClr val="tx1"/>
+                </a:solidFill>
+                <a:uFillTx/>
+              </a:rPr>
+              <a:t>Para la obtención de las consultas a la base de datos</a:t>
+            </a:r>
+            <a:endParaRPr lang="es-ES" altLang="en-US" sz="1600">
+              <a:solidFill>
+                <a:schemeClr val="tx1"/>
+              </a:solidFill>
+              <a:uFillTx/>
+            </a:endParaRPr>
+          </a:p>
+        </p:txBody>
+      </p:sp>
+      <p:sp>
+        <p:nvSpPr>
+          <p:cNvPr id="11" name="Flecha derecha 10"/>
+          <p:cNvSpPr/>
+          <p:nvPr/>
+        </p:nvSpPr>
+        <p:spPr>
+          <a:xfrm>
+            <a:off x="5565775" y="3013075"/>
+            <a:ext cx="761365" cy="75565"/>
+          </a:xfrm>
+          <a:prstGeom prst="rightArrow">
+            <a:avLst/>
+          </a:prstGeom>
+        </p:spPr>
+        <p:style>
+          <a:lnRef idx="2">
+            <a:schemeClr val="accent1">
+              <a:lumMod val="75000"/>
+            </a:schemeClr>
+          </a:lnRef>
+          <a:fillRef idx="1">
+            <a:schemeClr val="accent1"/>
+          </a:fillRef>
+          <a:effectRef idx="0">
+            <a:srgbClr val="FFFFFF"/>
+          </a:effectRef>
+          <a:fontRef idx="minor">
+            <a:schemeClr val="lt1"/>
+          </a:fontRef>
+        </p:style>
+        <p:txBody>
+          <a:bodyPr rtlCol="0" anchor="ctr"/>
+          <a:p>
+            <a:pPr algn="ctr"/>
+            <a:endParaRPr lang="es-ES" altLang="en-US"/>
+          </a:p>
+        </p:txBody>
+      </p:sp>
+      <p:sp>
+        <p:nvSpPr>
+          <p:cNvPr id="12" name="Flecha derecha 11"/>
+          <p:cNvSpPr/>
+          <p:nvPr/>
+        </p:nvSpPr>
+        <p:spPr>
+          <a:xfrm rot="5220000">
+            <a:off x="2442845" y="4102100"/>
+            <a:ext cx="442595" cy="76200"/>
+          </a:xfrm>
+          <a:prstGeom prst="rightArrow">
+            <a:avLst>
+              <a:gd name="adj1" fmla="val 50000"/>
+              <a:gd name="adj2" fmla="val 36134"/>
+            </a:avLst>
+          </a:prstGeom>
+        </p:spPr>
+        <p:style>
+          <a:lnRef idx="2">
+            <a:schemeClr val="accent1">
+              <a:lumMod val="75000"/>
+            </a:schemeClr>
+          </a:lnRef>
+          <a:fillRef idx="1">
+            <a:schemeClr val="accent1"/>
+          </a:fillRef>
+          <a:effectRef idx="0">
+            <a:srgbClr val="FFFFFF"/>
+          </a:effectRef>
+          <a:fontRef idx="minor">
+            <a:schemeClr val="lt1"/>
+          </a:fontRef>
+        </p:style>
+        <p:txBody>
+          <a:bodyPr rtlCol="0" anchor="ctr"/>
+          <a:p>
+            <a:pPr algn="ctr"/>
+            <a:endParaRPr lang="es-ES" altLang="en-US"/>
+          </a:p>
+        </p:txBody>
+      </p:sp>
+    </p:spTree>
+  </p:cSld>
+  <p:clrMapOvr>
+    <a:masterClrMapping/>
+  </p:clrMapOvr>
+</p:sld>
+</file>
+
+<file path=ppt/slides/slide22.xml><?xml version="1.0" encoding="utf-8"?>
+<p:sld xmlns:a="http://schemas.openxmlformats.org/drawingml/2006/main" xmlns:r="http://schemas.openxmlformats.org/officeDocument/2006/relationships" xmlns:p="http://schemas.openxmlformats.org/presentationml/2006/main">
+  <p:cSld>
+    <p:spTree>
+      <p:nvGrpSpPr>
+        <p:cNvPr id="1" name=""/>
+        <p:cNvGrpSpPr/>
+        <p:nvPr/>
+      </p:nvGrpSpPr>
+      <p:grpSpPr/>
+      <p:sp>
+        <p:nvSpPr>
+          <p:cNvPr id="2" name="Título 1"/>
+          <p:cNvSpPr>
+            <a:spLocks noGrp="1"/>
+          </p:cNvSpPr>
+          <p:nvPr>
+            <p:ph type="title"/>
+          </p:nvPr>
+        </p:nvSpPr>
+        <p:spPr/>
+        <p:txBody>
+          <a:bodyPr/>
+          <a:p>
+            <a:pPr algn="ctr"/>
+            <a:r>
+              <a:rPr lang="es-ES" altLang="en-US">
+                <a:sym typeface="+mn-ea"/>
+              </a:rPr>
+              <a:t>Tecnologia:  Springboot</a:t>
+            </a:r>
+            <a:endParaRPr lang="es-ES" altLang="en-US"/>
+          </a:p>
+        </p:txBody>
+      </p:sp>
+      <p:pic>
+        <p:nvPicPr>
+          <p:cNvPr id="4" name="Marcador de posición de contenido 3" descr="delete"/>
+          <p:cNvPicPr>
+            <a:picLocks noChangeAspect="1"/>
+          </p:cNvPicPr>
+          <p:nvPr>
+            <p:ph idx="1"/>
+          </p:nvPr>
+        </p:nvPicPr>
+        <p:blipFill>
+          <a:blip r:embed="rId1"/>
+          <a:stretch>
+            <a:fillRect/>
+          </a:stretch>
+        </p:blipFill>
+        <p:spPr>
+          <a:xfrm>
+            <a:off x="4495800" y="5140325"/>
+            <a:ext cx="6667500" cy="1219200"/>
+          </a:xfrm>
+          <a:prstGeom prst="rect">
+            <a:avLst/>
+          </a:prstGeom>
+        </p:spPr>
+      </p:pic>
+      <p:pic>
+        <p:nvPicPr>
+          <p:cNvPr id="6" name="Imagen 5" descr="post"/>
+          <p:cNvPicPr>
+            <a:picLocks noChangeAspect="1"/>
+          </p:cNvPicPr>
+          <p:nvPr/>
+        </p:nvPicPr>
+        <p:blipFill>
+          <a:blip r:embed="rId2"/>
+          <a:stretch>
+            <a:fillRect/>
+          </a:stretch>
+        </p:blipFill>
+        <p:spPr>
+          <a:xfrm>
+            <a:off x="5652135" y="1381760"/>
+            <a:ext cx="5109845" cy="3655695"/>
+          </a:xfrm>
+          <a:prstGeom prst="rect">
+            <a:avLst/>
+          </a:prstGeom>
+        </p:spPr>
+      </p:pic>
+      <p:sp>
+        <p:nvSpPr>
+          <p:cNvPr id="9" name="Cuadro de texto 8"/>
+          <p:cNvSpPr txBox="1"/>
+          <p:nvPr/>
+        </p:nvSpPr>
+        <p:spPr>
+          <a:xfrm>
+            <a:off x="647700" y="2011680"/>
+            <a:ext cx="2917825" cy="368300"/>
+          </a:xfrm>
+          <a:prstGeom prst="rect">
+            <a:avLst/>
+          </a:prstGeom>
+          <a:solidFill>
+            <a:srgbClr val="B4DF5A"/>
+          </a:solidFill>
+        </p:spPr>
+        <p:txBody>
+          <a:bodyPr wrap="square" rtlCol="0">
+            <a:noAutofit/>
+          </a:bodyPr>
+          <a:p>
+            <a:pPr algn="ctr"/>
+            <a:r>
+              <a:rPr lang="es-ES" altLang="en-US" sz="1600">
+                <a:solidFill>
+                  <a:schemeClr val="tx1"/>
+                </a:solidFill>
+                <a:uFillTx/>
+              </a:rPr>
+              <a:t>Insercciones y actualizaciones</a:t>
+            </a:r>
+            <a:endParaRPr lang="es-ES" altLang="en-US" sz="1600">
+              <a:solidFill>
+                <a:schemeClr val="tx1"/>
+              </a:solidFill>
+              <a:uFillTx/>
+            </a:endParaRPr>
+          </a:p>
+        </p:txBody>
+      </p:sp>
+      <p:sp>
+        <p:nvSpPr>
+          <p:cNvPr id="7" name="Cuadro de texto 6"/>
+          <p:cNvSpPr txBox="1"/>
+          <p:nvPr/>
+        </p:nvSpPr>
+        <p:spPr>
+          <a:xfrm>
+            <a:off x="647700" y="5338445"/>
+            <a:ext cx="2376170" cy="368300"/>
+          </a:xfrm>
+          <a:prstGeom prst="rect">
+            <a:avLst/>
+          </a:prstGeom>
+          <a:solidFill>
+            <a:srgbClr val="B4DF5A"/>
+          </a:solidFill>
+        </p:spPr>
+        <p:txBody>
+          <a:bodyPr wrap="square" rtlCol="0">
+            <a:noAutofit/>
+          </a:bodyPr>
+          <a:p>
+            <a:pPr algn="ctr"/>
+            <a:r>
+              <a:rPr lang="es-ES" altLang="en-US" sz="1600">
+                <a:solidFill>
+                  <a:schemeClr val="tx1"/>
+                </a:solidFill>
+                <a:uFillTx/>
+              </a:rPr>
+              <a:t>Eliminación de registros</a:t>
+            </a:r>
+            <a:endParaRPr lang="es-ES" altLang="en-US" sz="1600">
+              <a:solidFill>
+                <a:schemeClr val="tx1"/>
+              </a:solidFill>
+              <a:uFillTx/>
+            </a:endParaRPr>
+          </a:p>
+        </p:txBody>
+      </p:sp>
+      <p:sp>
+        <p:nvSpPr>
+          <p:cNvPr id="11" name="Flecha derecha 10"/>
+          <p:cNvSpPr/>
+          <p:nvPr/>
+        </p:nvSpPr>
+        <p:spPr>
+          <a:xfrm>
+            <a:off x="4135755" y="2157730"/>
+            <a:ext cx="1264920" cy="76200"/>
+          </a:xfrm>
+          <a:prstGeom prst="rightArrow">
+            <a:avLst/>
+          </a:prstGeom>
+        </p:spPr>
+        <p:style>
+          <a:lnRef idx="2">
+            <a:schemeClr val="accent1">
+              <a:lumMod val="75000"/>
+            </a:schemeClr>
+          </a:lnRef>
+          <a:fillRef idx="1">
+            <a:schemeClr val="accent1"/>
+          </a:fillRef>
+          <a:effectRef idx="0">
+            <a:srgbClr val="FFFFFF"/>
+          </a:effectRef>
+          <a:fontRef idx="minor">
+            <a:schemeClr val="lt1"/>
+          </a:fontRef>
+        </p:style>
+        <p:txBody>
+          <a:bodyPr rtlCol="0" anchor="ctr"/>
+          <a:p>
+            <a:pPr algn="ctr"/>
+            <a:endParaRPr lang="es-ES" altLang="en-US"/>
+          </a:p>
+        </p:txBody>
+      </p:sp>
+      <p:sp>
+        <p:nvSpPr>
+          <p:cNvPr id="8" name="Flecha derecha 7"/>
+          <p:cNvSpPr/>
+          <p:nvPr/>
+        </p:nvSpPr>
+        <p:spPr>
+          <a:xfrm>
+            <a:off x="3176905" y="5485130"/>
+            <a:ext cx="1163320" cy="76200"/>
+          </a:xfrm>
+          <a:prstGeom prst="rightArrow">
+            <a:avLst/>
+          </a:prstGeom>
+        </p:spPr>
+        <p:style>
+          <a:lnRef idx="2">
+            <a:schemeClr val="accent1">
+              <a:lumMod val="75000"/>
+            </a:schemeClr>
+          </a:lnRef>
+          <a:fillRef idx="1">
+            <a:schemeClr val="accent1"/>
+          </a:fillRef>
+          <a:effectRef idx="0">
+            <a:srgbClr val="FFFFFF"/>
+          </a:effectRef>
+          <a:fontRef idx="minor">
+            <a:schemeClr val="lt1"/>
+          </a:fontRef>
+        </p:style>
+        <p:txBody>
+          <a:bodyPr rtlCol="0" anchor="ctr"/>
+          <a:p>
+            <a:pPr algn="ctr"/>
+            <a:endParaRPr lang="es-ES" altLang="en-US"/>
+          </a:p>
+        </p:txBody>
+      </p:sp>
+    </p:spTree>
+  </p:cSld>
+  <p:clrMapOvr>
+    <a:masterClrMapping/>
+  </p:clrMapOvr>
+</p:sld>
+</file>
+
+<file path=ppt/slides/slide23.xml><?xml version="1.0" encoding="utf-8"?>
+<p:sld xmlns:a="http://schemas.openxmlformats.org/drawingml/2006/main" xmlns:r="http://schemas.openxmlformats.org/officeDocument/2006/relationships" xmlns:p="http://schemas.openxmlformats.org/presentationml/2006/main">
+  <p:cSld>
+    <p:spTree>
+      <p:nvGrpSpPr>
+        <p:cNvPr id="1" name=""/>
+        <p:cNvGrpSpPr/>
+        <p:nvPr/>
+      </p:nvGrpSpPr>
+      <p:grpSpPr/>
+      <p:sp>
+        <p:nvSpPr>
+          <p:cNvPr id="2" name="Título 1"/>
+          <p:cNvSpPr>
+            <a:spLocks noGrp="1"/>
+          </p:cNvSpPr>
+          <p:nvPr>
+            <p:ph type="title"/>
+          </p:nvPr>
+        </p:nvSpPr>
+        <p:spPr/>
+        <p:txBody>
+          <a:bodyPr/>
+          <a:p>
+            <a:pPr algn="ctr"/>
+            <a:r>
+              <a:rPr lang="es-ES" altLang="en-US"/>
+              <a:t>POSTMAN</a:t>
+            </a:r>
+            <a:endParaRPr lang="es-ES" altLang="en-US"/>
+          </a:p>
+        </p:txBody>
+      </p:sp>
+      <p:sp>
+        <p:nvSpPr>
+          <p:cNvPr id="3" name="Marcador de posición de contenido 2"/>
+          <p:cNvSpPr>
+            <a:spLocks noGrp="1"/>
+          </p:cNvSpPr>
+          <p:nvPr>
+            <p:ph idx="1"/>
+          </p:nvPr>
+        </p:nvSpPr>
+        <p:spPr>
+          <a:xfrm>
+            <a:off x="647700" y="1584960"/>
+            <a:ext cx="10515600" cy="4592320"/>
+          </a:xfrm>
+        </p:spPr>
+        <p:txBody>
+          <a:bodyPr/>
+          <a:p>
+            <a:r>
+              <a:rPr lang="es-ES" altLang="en-US"/>
+              <a:t>Hacer filtros para que nos muestre resultados:</a:t>
+            </a:r>
+            <a:endParaRPr lang="es-ES" altLang="en-US"/>
+          </a:p>
+          <a:p>
+            <a:endParaRPr lang="es-ES" altLang="en-US"/>
+          </a:p>
+          <a:p>
+            <a:endParaRPr lang="es-ES" altLang="en-US"/>
+          </a:p>
+        </p:txBody>
+      </p:sp>
+      <p:pic>
+        <p:nvPicPr>
+          <p:cNvPr id="4" name="Imagen 3" descr="postman"/>
+          <p:cNvPicPr>
+            <a:picLocks noChangeAspect="1"/>
+          </p:cNvPicPr>
+          <p:nvPr/>
+        </p:nvPicPr>
+        <p:blipFill>
+          <a:blip r:embed="rId1"/>
+          <a:stretch>
+            <a:fillRect/>
+          </a:stretch>
+        </p:blipFill>
+        <p:spPr>
+          <a:xfrm>
+            <a:off x="3560445" y="2223770"/>
+            <a:ext cx="6915785" cy="3881120"/>
+          </a:xfrm>
+          <a:prstGeom prst="rect">
+            <a:avLst/>
+          </a:prstGeom>
+        </p:spPr>
+      </p:pic>
+      <p:sp>
+        <p:nvSpPr>
+          <p:cNvPr id="5" name="Flecha a la derecha con bandas 4"/>
+          <p:cNvSpPr/>
+          <p:nvPr/>
+        </p:nvSpPr>
+        <p:spPr>
+          <a:xfrm>
+            <a:off x="1193165" y="2533650"/>
+            <a:ext cx="1924050" cy="390525"/>
+          </a:xfrm>
+          <a:prstGeom prst="stripedRightArrow">
+            <a:avLst/>
+          </a:prstGeom>
+        </p:spPr>
+        <p:style>
+          <a:lnRef idx="2">
+            <a:schemeClr val="accent1">
+              <a:lumMod val="75000"/>
+            </a:schemeClr>
+          </a:lnRef>
+          <a:fillRef idx="1">
+            <a:schemeClr val="accent1"/>
+          </a:fillRef>
+          <a:effectRef idx="0">
+            <a:srgbClr val="FFFFFF"/>
+          </a:effectRef>
+          <a:fontRef idx="minor">
+            <a:schemeClr val="lt1"/>
+          </a:fontRef>
+        </p:style>
+        <p:txBody>
+          <a:bodyPr rtlCol="0" anchor="ctr"/>
+          <a:p>
+            <a:pPr algn="ctr"/>
+            <a:endParaRPr lang="es-ES" altLang="en-US"/>
+          </a:p>
+        </p:txBody>
+      </p:sp>
+    </p:spTree>
+  </p:cSld>
+  <p:clrMapOvr>
+    <a:masterClrMapping/>
+  </p:clrMapOvr>
+</p:sld>
+</file>
+
+<file path=ppt/slides/slide24.xml><?xml version="1.0" encoding="utf-8"?>
+<p:sld xmlns:a="http://schemas.openxmlformats.org/drawingml/2006/main" xmlns:r="http://schemas.openxmlformats.org/officeDocument/2006/relationships" xmlns:p="http://schemas.openxmlformats.org/presentationml/2006/main">
+  <p:cSld>
+    <p:spTree>
+      <p:nvGrpSpPr>
+        <p:cNvPr id="1" name=""/>
+        <p:cNvGrpSpPr/>
+        <p:nvPr/>
+      </p:nvGrpSpPr>
+      <p:grpSpPr/>
+      <p:sp>
+        <p:nvSpPr>
+          <p:cNvPr id="2" name="Título 1"/>
+          <p:cNvSpPr>
+            <a:spLocks noGrp="1"/>
+          </p:cNvSpPr>
+          <p:nvPr>
+            <p:ph type="title"/>
+          </p:nvPr>
+        </p:nvSpPr>
+        <p:spPr/>
+        <p:txBody>
+          <a:bodyPr/>
+          <a:p>
+            <a:r>
+              <a:rPr lang="es-ES" altLang="en-US"/>
+              <a:t>				POSTMAN</a:t>
+            </a:r>
+            <a:endParaRPr lang="es-ES" altLang="en-US"/>
+          </a:p>
+        </p:txBody>
+      </p:sp>
+      <p:sp>
+        <p:nvSpPr>
+          <p:cNvPr id="3" name="Marcador de posición de contenido 2"/>
+          <p:cNvSpPr>
+            <a:spLocks noGrp="1"/>
+          </p:cNvSpPr>
+          <p:nvPr>
+            <p:ph idx="1"/>
+          </p:nvPr>
+        </p:nvSpPr>
+        <p:spPr/>
+        <p:txBody>
+          <a:bodyPr/>
+          <a:p>
+            <a:r>
+              <a:rPr lang="es-ES" altLang="en-US"/>
+              <a:t>Creamos nuevos registros: </a:t>
+            </a:r>
+            <a:endParaRPr lang="es-ES" altLang="en-US"/>
+          </a:p>
+        </p:txBody>
+      </p:sp>
+      <p:pic>
+        <p:nvPicPr>
+          <p:cNvPr id="4" name="Imagen 3" descr="owner"/>
+          <p:cNvPicPr>
+            <a:picLocks noChangeAspect="1"/>
+          </p:cNvPicPr>
+          <p:nvPr/>
+        </p:nvPicPr>
+        <p:blipFill>
+          <a:blip r:embed="rId1"/>
+          <a:stretch>
+            <a:fillRect/>
+          </a:stretch>
+        </p:blipFill>
+        <p:spPr>
+          <a:xfrm>
+            <a:off x="2112010" y="2304415"/>
+            <a:ext cx="7358380" cy="4487545"/>
+          </a:xfrm>
+          <a:prstGeom prst="rect">
+            <a:avLst/>
+          </a:prstGeom>
+        </p:spPr>
+      </p:pic>
+    </p:spTree>
+  </p:cSld>
+  <p:clrMapOvr>
+    <a:masterClrMapping/>
+  </p:clrMapOvr>
+</p:sld>
+</file>
+
+<file path=ppt/slides/slide25.xml><?xml version="1.0" encoding="utf-8"?>
+<p:sld xmlns:a="http://schemas.openxmlformats.org/drawingml/2006/main" xmlns:r="http://schemas.openxmlformats.org/officeDocument/2006/relationships" xmlns:p="http://schemas.openxmlformats.org/presentationml/2006/main">
+  <p:cSld>
+    <p:spTree>
+      <p:nvGrpSpPr>
+        <p:cNvPr id="1" name=""/>
+        <p:cNvGrpSpPr/>
+        <p:nvPr/>
+      </p:nvGrpSpPr>
+      <p:grpSpPr/>
+      <p:sp>
+        <p:nvSpPr>
+          <p:cNvPr id="2" name="Título 1"/>
+          <p:cNvSpPr>
+            <a:spLocks noGrp="1"/>
+          </p:cNvSpPr>
+          <p:nvPr>
+            <p:ph type="title"/>
+          </p:nvPr>
+        </p:nvSpPr>
+        <p:spPr/>
+        <p:txBody>
+          <a:bodyPr/>
+          <a:p>
+            <a:pPr algn="ctr"/>
+            <a:r>
+              <a:rPr lang="es-ES" altLang="en-US"/>
+              <a:t>POSTMAN</a:t>
+            </a:r>
+            <a:endParaRPr lang="es-ES" altLang="en-US"/>
+          </a:p>
+        </p:txBody>
+      </p:sp>
+      <p:sp>
+        <p:nvSpPr>
+          <p:cNvPr id="3" name="Marcador de posición de contenido 2"/>
+          <p:cNvSpPr>
+            <a:spLocks noGrp="1"/>
+          </p:cNvSpPr>
+          <p:nvPr>
+            <p:ph idx="1"/>
+          </p:nvPr>
+        </p:nvSpPr>
+        <p:spPr/>
+        <p:txBody>
+          <a:bodyPr/>
+          <a:p>
+            <a:endParaRPr lang="es-ES" altLang="en-US"/>
+          </a:p>
+        </p:txBody>
+      </p:sp>
+      <p:pic>
+        <p:nvPicPr>
+          <p:cNvPr id="4" name="Imagen 3" descr="post1"/>
+          <p:cNvPicPr>
+            <a:picLocks noChangeAspect="1"/>
+          </p:cNvPicPr>
+          <p:nvPr/>
+        </p:nvPicPr>
+        <p:blipFill>
+          <a:blip r:embed="rId1"/>
+          <a:stretch>
+            <a:fillRect/>
+          </a:stretch>
+        </p:blipFill>
+        <p:spPr>
+          <a:xfrm>
+            <a:off x="647700" y="1825625"/>
+            <a:ext cx="5448300" cy="2877820"/>
+          </a:xfrm>
+          <a:prstGeom prst="rect">
+            <a:avLst/>
+          </a:prstGeom>
+        </p:spPr>
+      </p:pic>
+      <p:pic>
+        <p:nvPicPr>
+          <p:cNvPr id="5" name="Imagen 4" descr="post2"/>
+          <p:cNvPicPr>
+            <a:picLocks noChangeAspect="1"/>
+          </p:cNvPicPr>
+          <p:nvPr/>
+        </p:nvPicPr>
+        <p:blipFill>
+          <a:blip r:embed="rId2"/>
+          <a:stretch>
+            <a:fillRect/>
+          </a:stretch>
+        </p:blipFill>
+        <p:spPr>
+          <a:xfrm>
+            <a:off x="6543040" y="3429000"/>
+            <a:ext cx="4409440" cy="2557780"/>
+          </a:xfrm>
+          <a:prstGeom prst="rect">
+            <a:avLst/>
+          </a:prstGeom>
+        </p:spPr>
+      </p:pic>
+    </p:spTree>
+  </p:cSld>
+  <p:clrMapOvr>
+    <a:masterClrMapping/>
+  </p:clrMapOvr>
+</p:sld>
+</file>
+
+<file path=ppt/slides/slide26.xml><?xml version="1.0" encoding="utf-8"?>
+<p:sld xmlns:a="http://schemas.openxmlformats.org/drawingml/2006/main" xmlns:r="http://schemas.openxmlformats.org/officeDocument/2006/relationships" xmlns:p="http://schemas.openxmlformats.org/presentationml/2006/main">
+  <p:cSld>
+    <p:spTree>
+      <p:nvGrpSpPr>
+        <p:cNvPr id="1" name=""/>
+        <p:cNvGrpSpPr/>
+        <p:nvPr/>
+      </p:nvGrpSpPr>
+      <p:grpSpPr/>
+      <p:sp>
+        <p:nvSpPr>
+          <p:cNvPr id="2" name="Título 1"/>
+          <p:cNvSpPr>
+            <a:spLocks noGrp="1"/>
+          </p:cNvSpPr>
+          <p:nvPr>
+            <p:ph type="title"/>
+          </p:nvPr>
+        </p:nvSpPr>
+        <p:spPr/>
+        <p:txBody>
+          <a:bodyPr/>
+          <a:p>
+            <a:pPr algn="ctr"/>
+            <a:r>
+              <a:rPr lang="es-ES" altLang="en-US"/>
+              <a:t>POSTMAN</a:t>
+            </a:r>
+            <a:endParaRPr lang="es-ES" altLang="en-US"/>
+          </a:p>
+        </p:txBody>
+      </p:sp>
+      <p:sp>
+        <p:nvSpPr>
+          <p:cNvPr id="3" name="Marcador de posición de contenido 2"/>
+          <p:cNvSpPr>
+            <a:spLocks noGrp="1"/>
+          </p:cNvSpPr>
+          <p:nvPr>
+            <p:ph idx="1"/>
+          </p:nvPr>
+        </p:nvSpPr>
+        <p:spPr/>
+        <p:txBody>
+          <a:bodyPr/>
+          <a:p>
+            <a:r>
+              <a:rPr lang="es-ES" altLang="en-US"/>
+              <a:t>Modificamos registros</a:t>
+            </a:r>
+            <a:endParaRPr lang="es-ES" altLang="en-US"/>
+          </a:p>
+        </p:txBody>
+      </p:sp>
+      <p:pic>
+        <p:nvPicPr>
+          <p:cNvPr id="4" name="Imagen 3" descr="put"/>
+          <p:cNvPicPr>
+            <a:picLocks noChangeAspect="1"/>
+          </p:cNvPicPr>
+          <p:nvPr/>
+        </p:nvPicPr>
+        <p:blipFill>
+          <a:blip r:embed="rId1"/>
+          <a:stretch>
+            <a:fillRect/>
+          </a:stretch>
+        </p:blipFill>
+        <p:spPr>
+          <a:xfrm>
+            <a:off x="3486150" y="2265045"/>
+            <a:ext cx="7445375" cy="4393565"/>
+          </a:xfrm>
+          <a:prstGeom prst="rect">
+            <a:avLst/>
+          </a:prstGeom>
+        </p:spPr>
+      </p:pic>
+    </p:spTree>
+  </p:cSld>
+  <p:clrMapOvr>
+    <a:masterClrMapping/>
+  </p:clrMapOvr>
+</p:sld>
+</file>
+
+<file path=ppt/slides/slide27.xml><?xml version="1.0" encoding="utf-8"?>
+<p:sld xmlns:a="http://schemas.openxmlformats.org/drawingml/2006/main" xmlns:r="http://schemas.openxmlformats.org/officeDocument/2006/relationships" xmlns:p="http://schemas.openxmlformats.org/presentationml/2006/main">
+  <p:cSld>
+    <p:spTree>
+      <p:nvGrpSpPr>
+        <p:cNvPr id="1" name=""/>
+        <p:cNvGrpSpPr/>
+        <p:nvPr/>
+      </p:nvGrpSpPr>
+      <p:grpSpPr/>
+      <p:sp>
+        <p:nvSpPr>
+          <p:cNvPr id="2" name="Título 1"/>
+          <p:cNvSpPr>
+            <a:spLocks noGrp="1"/>
+          </p:cNvSpPr>
+          <p:nvPr>
+            <p:ph type="title"/>
+          </p:nvPr>
+        </p:nvSpPr>
+        <p:spPr/>
+        <p:txBody>
+          <a:bodyPr/>
+          <a:p>
+            <a:pPr algn="ctr"/>
+            <a:r>
+              <a:rPr lang="es-ES" altLang="en-US"/>
+              <a:t>POSTMAN</a:t>
+            </a:r>
+            <a:endParaRPr lang="es-ES" altLang="en-US"/>
+          </a:p>
+        </p:txBody>
+      </p:sp>
+      <p:sp>
+        <p:nvSpPr>
+          <p:cNvPr id="3" name="Marcador de posición de contenido 2"/>
+          <p:cNvSpPr>
+            <a:spLocks noGrp="1"/>
+          </p:cNvSpPr>
+          <p:nvPr>
+            <p:ph idx="1"/>
+          </p:nvPr>
+        </p:nvSpPr>
+        <p:spPr/>
+        <p:txBody>
+          <a:bodyPr/>
+          <a:p>
+            <a:r>
+              <a:rPr lang="es-ES" altLang="en-US"/>
+              <a:t>Borramos registros</a:t>
+            </a:r>
+            <a:endParaRPr lang="es-ES" altLang="en-US"/>
+          </a:p>
+        </p:txBody>
+      </p:sp>
+      <p:pic>
+        <p:nvPicPr>
+          <p:cNvPr id="4" name="Imagen 3" descr="delete1"/>
+          <p:cNvPicPr>
+            <a:picLocks noChangeAspect="1"/>
+          </p:cNvPicPr>
+          <p:nvPr/>
+        </p:nvPicPr>
+        <p:blipFill>
+          <a:blip r:embed="rId1"/>
+          <a:stretch>
+            <a:fillRect/>
+          </a:stretch>
+        </p:blipFill>
+        <p:spPr>
+          <a:xfrm>
+            <a:off x="467360" y="2308225"/>
+            <a:ext cx="5710555" cy="3395980"/>
+          </a:xfrm>
+          <a:prstGeom prst="rect">
+            <a:avLst/>
+          </a:prstGeom>
+        </p:spPr>
+      </p:pic>
+      <p:pic>
+        <p:nvPicPr>
+          <p:cNvPr id="5" name="Imagen 4" descr="delete2"/>
+          <p:cNvPicPr>
+            <a:picLocks noChangeAspect="1"/>
+          </p:cNvPicPr>
+          <p:nvPr/>
+        </p:nvPicPr>
+        <p:blipFill>
+          <a:blip r:embed="rId2"/>
+          <a:stretch>
+            <a:fillRect/>
+          </a:stretch>
+        </p:blipFill>
+        <p:spPr>
+          <a:xfrm>
+            <a:off x="6177915" y="2495550"/>
+            <a:ext cx="5991225" cy="2771775"/>
+          </a:xfrm>
+          <a:prstGeom prst="rect">
+            <a:avLst/>
+          </a:prstGeom>
+        </p:spPr>
+      </p:pic>
+    </p:spTree>
+  </p:cSld>
+  <p:clrMapOvr>
+    <a:masterClrMapping/>
+  </p:clrMapOvr>
+</p:sld>
+</file>
+
+<file path=ppt/slides/slide28.xml><?xml version="1.0" encoding="utf-8"?>
+<p:sld xmlns:a="http://schemas.openxmlformats.org/drawingml/2006/main" xmlns:r="http://schemas.openxmlformats.org/officeDocument/2006/relationships" xmlns:p="http://schemas.openxmlformats.org/presentationml/2006/main">
+  <p:cSld>
+    <p:spTree>
+      <p:nvGrpSpPr>
+        <p:cNvPr id="1" name=""/>
+        <p:cNvGrpSpPr/>
+        <p:nvPr/>
+      </p:nvGrpSpPr>
+      <p:grpSpPr/>
+      <p:sp>
+        <p:nvSpPr>
+          <p:cNvPr id="2" name="Título 1"/>
+          <p:cNvSpPr>
+            <a:spLocks noGrp="1"/>
+          </p:cNvSpPr>
+          <p:nvPr>
+            <p:ph type="title"/>
+          </p:nvPr>
+        </p:nvSpPr>
+        <p:spPr/>
+        <p:txBody>
+          <a:bodyPr/>
+          <a:p>
+            <a:pPr algn="ctr"/>
+            <a:r>
+              <a:rPr lang="es-ES" altLang="en-US"/>
+              <a:t>RESUMEN</a:t>
+            </a:r>
+            <a:endParaRPr lang="es-ES" altLang="en-US"/>
+          </a:p>
+        </p:txBody>
+      </p:sp>
+      <p:sp>
+        <p:nvSpPr>
+          <p:cNvPr id="3" name="Marcador de posición de contenido 2"/>
+          <p:cNvSpPr>
+            <a:spLocks noGrp="1"/>
+          </p:cNvSpPr>
+          <p:nvPr>
+            <p:ph idx="1"/>
+          </p:nvPr>
+        </p:nvSpPr>
+        <p:spPr/>
+        <p:txBody>
+          <a:bodyPr/>
+          <a:p>
+            <a:pPr marL="457200" lvl="1" indent="0">
+              <a:buNone/>
+            </a:pPr>
+            <a:r>
+              <a:rPr lang="es-ES" altLang="en-US" sz="2000"/>
+              <a:t>Aunque ya había trabajo antes con base de datos y con JDBC en Java, y algo de Hibernate, lo que más me ha costado asimilar es como funciona en Springboot JPA, he estado revisando varios manuales para ver como podría realizar posibles consultas derivadas, y aunque te permite varios formatos:</a:t>
+            </a:r>
+            <a:endParaRPr lang="es-ES" altLang="en-US" sz="2000"/>
+          </a:p>
+          <a:p>
+            <a:pPr lvl="1" indent="457200"/>
+            <a:r>
+              <a:rPr lang="es-ES" altLang="en-US" sz="2000"/>
+              <a:t>Metodos de Query (Keywords)</a:t>
+            </a:r>
+            <a:endParaRPr lang="es-ES" altLang="en-US" sz="2000"/>
+          </a:p>
+          <a:p>
+            <a:pPr lvl="1" indent="457200"/>
+            <a:r>
+              <a:rPr lang="es-ES" altLang="en-US" sz="2000"/>
+              <a:t>@Query con JPQL</a:t>
+            </a:r>
+            <a:endParaRPr lang="es-ES" altLang="en-US" sz="2000"/>
+          </a:p>
+          <a:p>
+            <a:pPr lvl="1" indent="457200"/>
+            <a:r>
+              <a:rPr lang="es-ES" altLang="en-US" sz="2000"/>
+              <a:t>@Querys navitas (con SQL)</a:t>
+            </a:r>
+            <a:r>
+              <a:rPr lang="es-ES" altLang="en-US" sz="1710"/>
+              <a:t>.</a:t>
+            </a:r>
+            <a:endParaRPr lang="es-ES" altLang="en-US" sz="1710"/>
+          </a:p>
+          <a:p>
+            <a:pPr lvl="1" indent="457200"/>
+            <a:endParaRPr lang="es-ES" altLang="en-US" sz="2000"/>
+          </a:p>
+          <a:p>
+            <a:pPr lvl="1" indent="0">
+              <a:buNone/>
+            </a:pPr>
+            <a:r>
+              <a:rPr lang="es-ES" altLang="en-US" sz="2000"/>
+              <a:t>He visto que para hacer determinadas cosas se pueden utilizar unas u otras, y las más complejas para mi han sido aquellas en las que si bien con sql en WordBench si soy capaz de realizar, en las que he empleado en este proyecto me ha supuesto bastante esfuerzo.</a:t>
+            </a:r>
+            <a:endParaRPr lang="es-ES" altLang="en-US" sz="2000"/>
+          </a:p>
+          <a:p>
+            <a:pPr lvl="1" indent="0">
+              <a:buNone/>
+            </a:pPr>
+            <a:endParaRPr lang="es-ES" altLang="en-US" sz="2000"/>
+          </a:p>
+        </p:txBody>
+      </p:sp>
+    </p:spTree>
+  </p:cSld>
+  <p:clrMapOvr>
+    <a:masterClrMapping/>
+  </p:clrMapOvr>
+</p:sld>
+</file>
+
+<file path=ppt/slides/slide29.xml><?xml version="1.0" encoding="utf-8"?>
+<p:sld xmlns:a="http://schemas.openxmlformats.org/drawingml/2006/main" xmlns:r="http://schemas.openxmlformats.org/officeDocument/2006/relationships" xmlns:p="http://schemas.openxmlformats.org/presentationml/2006/main">
+  <p:cSld>
+    <p:spTree>
+      <p:nvGrpSpPr>
+        <p:cNvPr id="1" name=""/>
+        <p:cNvGrpSpPr/>
+        <p:nvPr/>
+      </p:nvGrpSpPr>
+      <p:grpSpPr/>
+      <p:sp>
+        <p:nvSpPr>
+          <p:cNvPr id="2" name="Título 1"/>
+          <p:cNvSpPr>
+            <a:spLocks noGrp="1"/>
+          </p:cNvSpPr>
+          <p:nvPr>
+            <p:ph type="title"/>
+          </p:nvPr>
+        </p:nvSpPr>
+        <p:spPr/>
+        <p:txBody>
+          <a:bodyPr/>
+          <a:p>
+            <a:pPr algn="ctr"/>
+            <a:r>
+              <a:rPr lang="es-ES" altLang="en-US"/>
+              <a:t>BIBLIOGRAFIA</a:t>
+            </a:r>
+            <a:endParaRPr lang="es-ES" altLang="en-US"/>
+          </a:p>
+        </p:txBody>
+      </p:sp>
+      <p:sp>
+        <p:nvSpPr>
+          <p:cNvPr id="3" name="Marcador de posición de contenido 2"/>
+          <p:cNvSpPr>
+            <a:spLocks noGrp="1"/>
+          </p:cNvSpPr>
+          <p:nvPr>
+            <p:ph idx="1"/>
+          </p:nvPr>
+        </p:nvSpPr>
+        <p:spPr/>
+        <p:txBody>
+          <a:bodyPr/>
+          <a:p>
+            <a:endParaRPr lang="es-ES" altLang="en-US"/>
+          </a:p>
+          <a:p>
+            <a:pPr indent="457200"/>
+            <a:r>
+              <a:rPr lang="es-ES" altLang="en-US"/>
+              <a:t>- https://www.youtube.com/watch?v=RNmiRbWvFRc</a:t>
+            </a:r>
+            <a:endParaRPr lang="es-ES" altLang="en-US"/>
+          </a:p>
+          <a:p>
+            <a:pPr indent="457200"/>
+            <a:r>
+              <a:rPr lang="es-ES" altLang="en-US"/>
+              <a:t>- https://danielme.com/2023/03/05/curso-spring-data-jpa-consultas_derivadas-derived_queries-repositorios_asincronos/</a:t>
+            </a:r>
+            <a:endParaRPr lang="es-ES" altLang="en-US"/>
+          </a:p>
+          <a:p>
+            <a:pPr indent="457200"/>
+            <a:r>
+              <a:rPr lang="es-ES" altLang="en-US"/>
+              <a:t>- CHATGPT.IA</a:t>
+            </a:r>
+            <a:endParaRPr lang="es-ES" altLang="en-US"/>
+          </a:p>
+          <a:p>
+            <a:pPr indent="457200"/>
+            <a:r>
+              <a:rPr lang="es-ES" altLang="en-US"/>
+              <a:t>- PERPLEXITY.IA</a:t>
             </a:r>
             <a:endParaRPr lang="es-ES" altLang="en-US"/>
           </a:p>

--- a/Presentación proyecto.pptx
+++ b/Presentación proyecto.pptx
@@ -5024,9 +5024,6 @@
             <a:endParaRPr lang="es-ES" altLang="en-US"/>
           </a:p>
           <a:p>
-            <a:endParaRPr lang="es-ES" altLang="en-US"/>
-          </a:p>
-          <a:p>
             <a:pPr indent="457200"/>
             <a:r>
               <a:rPr lang="es-ES" altLang="en-US"/>
@@ -5039,6 +5036,14 @@
             <a:r>
               <a:rPr lang="es-ES" altLang="en-US"/>
               <a:t>- Conector MySQL: Nos proporciona la conexión con la base de datos.</a:t>
+            </a:r>
+            <a:endParaRPr lang="es-ES" altLang="en-US"/>
+          </a:p>
+          <a:p>
+            <a:pPr indent="457200"/>
+            <a:r>
+              <a:rPr lang="es-ES" altLang="en-US"/>
+              <a:t>- WorkBench: gestor de base de datos.</a:t>
             </a:r>
             <a:endParaRPr lang="es-ES" altLang="en-US"/>
           </a:p>
@@ -6250,7 +6255,7 @@
       </p:sp>
       <p:pic>
         <p:nvPicPr>
-          <p:cNvPr id="4" name="Imagen 3" descr="put"/>
+          <p:cNvPr id="5" name="Imagen 4" descr="put"/>
           <p:cNvPicPr>
             <a:picLocks noChangeAspect="1"/>
           </p:cNvPicPr>
@@ -6264,8 +6269,8 @@
         </p:blipFill>
         <p:spPr>
           <a:xfrm>
-            <a:off x="3486150" y="2265045"/>
-            <a:ext cx="7445375" cy="4393565"/>
+            <a:off x="3969385" y="2291715"/>
+            <a:ext cx="7291070" cy="4425315"/>
           </a:xfrm>
           <a:prstGeom prst="rect">
             <a:avLst/>

--- a/Presentación proyecto.pptx
+++ b/Presentación proyecto.pptx
@@ -14,31 +14,31 @@
     <p:sldId id="256" r:id="rId3"/>
     <p:sldId id="257" r:id="rId4"/>
     <p:sldId id="258" r:id="rId5"/>
-    <p:sldId id="259" r:id="rId6"/>
-    <p:sldId id="260" r:id="rId7"/>
-    <p:sldId id="261" r:id="rId8"/>
+    <p:sldId id="274" r:id="rId6"/>
+    <p:sldId id="259" r:id="rId7"/>
+    <p:sldId id="260" r:id="rId8"/>
     <p:sldId id="262" r:id="rId9"/>
-    <p:sldId id="263" r:id="rId10"/>
-    <p:sldId id="264" r:id="rId11"/>
-    <p:sldId id="265" r:id="rId12"/>
-    <p:sldId id="266" r:id="rId13"/>
-    <p:sldId id="267" r:id="rId14"/>
-    <p:sldId id="268" r:id="rId15"/>
-    <p:sldId id="269" r:id="rId16"/>
-    <p:sldId id="270" r:id="rId17"/>
-    <p:sldId id="271" r:id="rId18"/>
-    <p:sldId id="272" r:id="rId19"/>
-    <p:sldId id="273" r:id="rId20"/>
-    <p:sldId id="274" r:id="rId21"/>
-    <p:sldId id="275" r:id="rId22"/>
-    <p:sldId id="276" r:id="rId23"/>
-    <p:sldId id="277" r:id="rId24"/>
-    <p:sldId id="283" r:id="rId25"/>
-    <p:sldId id="279" r:id="rId26"/>
-    <p:sldId id="284" r:id="rId27"/>
-    <p:sldId id="285" r:id="rId28"/>
-    <p:sldId id="286" r:id="rId29"/>
-    <p:sldId id="287" r:id="rId30"/>
+    <p:sldId id="264" r:id="rId10"/>
+    <p:sldId id="266" r:id="rId11"/>
+    <p:sldId id="290" r:id="rId12"/>
+    <p:sldId id="268" r:id="rId13"/>
+    <p:sldId id="269" r:id="rId14"/>
+    <p:sldId id="270" r:id="rId15"/>
+    <p:sldId id="271" r:id="rId16"/>
+    <p:sldId id="272" r:id="rId17"/>
+    <p:sldId id="273" r:id="rId18"/>
+    <p:sldId id="292" r:id="rId19"/>
+    <p:sldId id="275" r:id="rId20"/>
+    <p:sldId id="276" r:id="rId21"/>
+    <p:sldId id="277" r:id="rId22"/>
+    <p:sldId id="283" r:id="rId23"/>
+    <p:sldId id="279" r:id="rId24"/>
+    <p:sldId id="284" r:id="rId25"/>
+    <p:sldId id="285" r:id="rId26"/>
+    <p:sldId id="286" r:id="rId27"/>
+    <p:sldId id="295" r:id="rId28"/>
+    <p:sldId id="287" r:id="rId29"/>
+    <p:sldId id="293" r:id="rId30"/>
     <p:sldId id="288" r:id="rId31"/>
   </p:sldIdLst>
   <p:sldSz cx="12192000" cy="6858000"/>
@@ -141,12 +141,12 @@
   <p:extLst>
     <p:ext uri="{EFAFB233-063F-42B5-8137-9DF3F51BA10A}">
       <p15:sldGuideLst xmlns:p15="http://schemas.microsoft.com/office/powerpoint/2012/main">
-        <p15:guide id="1" orient="horz" pos="2121" userDrawn="1">
+        <p15:guide id="1" orient="horz" pos="2166" userDrawn="1">
           <p15:clr>
             <a:srgbClr val="A4A3A4"/>
           </p15:clr>
         </p15:guide>
-        <p15:guide id="2" pos="3840" userDrawn="1">
+        <p15:guide id="2" pos="3854" userDrawn="1">
           <p15:clr>
             <a:srgbClr val="A4A3A4"/>
           </p15:clr>
@@ -3566,8 +3566,10 @@
           <a:bodyPr/>
           <a:p>
             <a:r>
-              <a:rPr lang="es-ES" altLang="en-US"/>
-              <a:t>Presentación proyecto</a:t>
+              <a:rPr lang="es-ES" altLang="en-US">
+                <a:sym typeface="+mn-ea"/>
+              </a:rPr>
+              <a:t>SalAuto S.L</a:t>
             </a:r>
             <a:endParaRPr lang="es-ES" altLang="en-US"/>
           </a:p>
@@ -3600,6 +3602,154 @@
   <p:clrMapOvr>
     <a:masterClrMapping/>
   </p:clrMapOvr>
+  <p:timing>
+    <p:tnLst>
+      <p:par>
+        <p:cTn id="1" dur="indefinite" restart="never" nodeType="tmRoot">
+          <p:childTnLst>
+            <p:seq concurrent="1" nextAc="seek">
+              <p:cTn id="2" dur="indefinite" nodeType="mainSeq">
+                <p:childTnLst>
+                  <p:par>
+                    <p:cTn id="3" fill="hold">
+                      <p:stCondLst>
+                        <p:cond delay="indefinite"/>
+                      </p:stCondLst>
+                      <p:childTnLst>
+                        <p:par>
+                          <p:cTn id="4" fill="hold">
+                            <p:stCondLst>
+                              <p:cond delay="0"/>
+                            </p:stCondLst>
+                            <p:childTnLst>
+                              <p:par>
+                                <p:cTn id="5" presetID="13" presetClass="entr" presetSubtype="16" fill="hold" grpId="0" nodeType="clickEffect">
+                                  <p:stCondLst>
+                                    <p:cond delay="0"/>
+                                  </p:stCondLst>
+                                  <p:childTnLst>
+                                    <p:set>
+                                      <p:cBhvr>
+                                        <p:cTn id="6" dur="1" fill="hold">
+                                          <p:stCondLst>
+                                            <p:cond delay="0"/>
+                                          </p:stCondLst>
+                                        </p:cTn>
+                                        <p:tgtEl>
+                                          <p:spTgt spid="2"/>
+                                        </p:tgtEl>
+                                        <p:attrNameLst>
+                                          <p:attrName>style.visibility</p:attrName>
+                                        </p:attrNameLst>
+                                      </p:cBhvr>
+                                      <p:to>
+                                        <p:strVal val="visible"/>
+                                      </p:to>
+                                    </p:set>
+                                    <p:animEffect transition="in" filter="plus(in)">
+                                      <p:cBhvr>
+                                        <p:cTn id="7" dur="2000"/>
+                                        <p:tgtEl>
+                                          <p:spTgt spid="2"/>
+                                        </p:tgtEl>
+                                      </p:cBhvr>
+                                    </p:animEffect>
+                                  </p:childTnLst>
+                                </p:cTn>
+                              </p:par>
+                            </p:childTnLst>
+                          </p:cTn>
+                        </p:par>
+                      </p:childTnLst>
+                    </p:cTn>
+                  </p:par>
+                  <p:par>
+                    <p:cTn id="8" fill="hold">
+                      <p:stCondLst>
+                        <p:cond delay="indefinite"/>
+                      </p:stCondLst>
+                      <p:childTnLst>
+                        <p:par>
+                          <p:cTn id="9" fill="hold">
+                            <p:stCondLst>
+                              <p:cond delay="0"/>
+                            </p:stCondLst>
+                            <p:childTnLst>
+                              <p:par>
+                                <p:cTn id="10" presetID="4" presetClass="entr" presetSubtype="16" fill="hold" grpId="0" nodeType="clickEffect">
+                                  <p:stCondLst>
+                                    <p:cond delay="0"/>
+                                  </p:stCondLst>
+                                  <p:childTnLst>
+                                    <p:set>
+                                      <p:cBhvr>
+                                        <p:cTn id="11" dur="1" fill="hold">
+                                          <p:stCondLst>
+                                            <p:cond delay="0"/>
+                                          </p:stCondLst>
+                                        </p:cTn>
+                                        <p:tgtEl>
+                                          <p:spTgt spid="3">
+                                            <p:txEl>
+                                              <p:pRg st="0" end="0"/>
+                                            </p:txEl>
+                                          </p:spTgt>
+                                        </p:tgtEl>
+                                        <p:attrNameLst>
+                                          <p:attrName>style.visibility</p:attrName>
+                                        </p:attrNameLst>
+                                      </p:cBhvr>
+                                      <p:to>
+                                        <p:strVal val="visible"/>
+                                      </p:to>
+                                    </p:set>
+                                    <p:animEffect transition="in" filter="box(in)">
+                                      <p:cBhvr>
+                                        <p:cTn id="12" dur="2000"/>
+                                        <p:tgtEl>
+                                          <p:spTgt spid="3">
+                                            <p:txEl>
+                                              <p:pRg st="0" end="0"/>
+                                            </p:txEl>
+                                          </p:spTgt>
+                                        </p:tgtEl>
+                                      </p:cBhvr>
+                                    </p:animEffect>
+                                  </p:childTnLst>
+                                </p:cTn>
+                              </p:par>
+                            </p:childTnLst>
+                          </p:cTn>
+                        </p:par>
+                      </p:childTnLst>
+                    </p:cTn>
+                  </p:par>
+                </p:childTnLst>
+              </p:cTn>
+              <p:prevCondLst>
+                <p:cond evt="onPrev" delay="0">
+                  <p:tgtEl>
+                    <p:sldTgt/>
+                  </p:tgtEl>
+                </p:cond>
+              </p:prevCondLst>
+              <p:nextCondLst>
+                <p:cond evt="onNext" delay="0">
+                  <p:tgtEl>
+                    <p:sldTgt/>
+                  </p:tgtEl>
+                </p:cond>
+              </p:nextCondLst>
+            </p:seq>
+          </p:childTnLst>
+        </p:cTn>
+      </p:par>
+    </p:tnLst>
+    <p:bldLst>
+      <p:bldP spid="2" grpId="0"/>
+      <p:bldP spid="3" grpId="0" build="p"/>
+    </p:bldLst>
+  </p:timing>
 </p:sld>
 </file>
 
@@ -3653,22 +3803,16 @@
           <a:bodyPr/>
           <a:p>
             <a:r>
-              <a:rPr lang="es-ES" altLang="en-US"/>
-              <a:t>Le agregamos registros para comprobar su funcionamiento.</a:t>
-            </a:r>
-            <a:endParaRPr lang="es-ES" altLang="en-US"/>
-          </a:p>
-          <a:p>
-            <a:endParaRPr lang="es-ES" altLang="en-US"/>
-          </a:p>
-          <a:p>
-            <a:endParaRPr lang="es-ES" altLang="en-US"/>
+              <a:rPr lang="es-ES" altLang="en-US" b="1"/>
+              <a:t>- Pack</a:t>
+            </a:r>
+            <a:endParaRPr lang="es-ES" altLang="en-US" b="1"/>
           </a:p>
         </p:txBody>
       </p:sp>
       <p:pic>
         <p:nvPicPr>
-          <p:cNvPr id="4" name="Imagen 3" descr="modelo_reg"/>
+          <p:cNvPr id="4" name="Imagen 3" descr="pack"/>
           <p:cNvPicPr>
             <a:picLocks noChangeAspect="1"/>
           </p:cNvPicPr>
@@ -3682,8 +3826,32 @@
         </p:blipFill>
         <p:spPr>
           <a:xfrm>
-            <a:off x="4130040" y="2804160"/>
-            <a:ext cx="3228340" cy="3190875"/>
+            <a:off x="647700" y="2853055"/>
+            <a:ext cx="5859780" cy="2540000"/>
+          </a:xfrm>
+          <a:prstGeom prst="rect">
+            <a:avLst/>
+          </a:prstGeom>
+        </p:spPr>
+      </p:pic>
+      <p:pic>
+        <p:nvPicPr>
+          <p:cNvPr id="5" name="Imagen 4" descr="reg_pack"/>
+          <p:cNvPicPr>
+            <a:picLocks noChangeAspect="1"/>
+          </p:cNvPicPr>
+          <p:nvPr/>
+        </p:nvPicPr>
+        <p:blipFill>
+          <a:blip r:embed="rId2"/>
+          <a:stretch>
+            <a:fillRect/>
+          </a:stretch>
+        </p:blipFill>
+        <p:spPr>
+          <a:xfrm>
+            <a:off x="7193280" y="2423795"/>
+            <a:ext cx="3970020" cy="3398520"/>
           </a:xfrm>
           <a:prstGeom prst="rect">
             <a:avLst/>
@@ -3727,7 +3895,7 @@
               <a:rPr lang="es-ES" altLang="en-US">
                 <a:sym typeface="+mn-ea"/>
               </a:rPr>
-              <a:t>Conexion y creación de base de datos</a:t>
+              <a:t>Pruebas de funcionamiento</a:t>
             </a:r>
             <a:endParaRPr lang="es-ES" altLang="en-US"/>
           </a:p>
@@ -3743,13 +3911,18 @@
             <p:ph idx="1"/>
           </p:nvPr>
         </p:nvSpPr>
-        <p:spPr/>
+        <p:spPr>
+          <a:xfrm>
+            <a:off x="647700" y="1584325"/>
+            <a:ext cx="10515600" cy="4351338"/>
+          </a:xfrm>
+        </p:spPr>
         <p:txBody>
           <a:bodyPr/>
           <a:p>
             <a:r>
               <a:rPr lang="es-ES" altLang="en-US"/>
-              <a:t>Por último creamos la tabla coche, que contendrá marca, modelo, propietario, y además los atributos de matrícula, PVP y fecha de matriculación.</a:t>
+              <a:t>Para comprobar su funcionamiento en la base de datos, realizamos una prueba en workbench.</a:t>
             </a:r>
             <a:endParaRPr lang="es-ES" altLang="en-US"/>
           </a:p>
@@ -3763,7 +3936,7 @@
       </p:sp>
       <p:pic>
         <p:nvPicPr>
-          <p:cNvPr id="4" name="Imagen 3" descr="coche_tabl"/>
+          <p:cNvPr id="4" name="Imagen 3" descr="workbench"/>
           <p:cNvPicPr>
             <a:picLocks noChangeAspect="1"/>
           </p:cNvPicPr>
@@ -3777,8 +3950,8 @@
         </p:blipFill>
         <p:spPr>
           <a:xfrm>
-            <a:off x="1297940" y="3077210"/>
-            <a:ext cx="8439150" cy="3536950"/>
+            <a:off x="2641600" y="2490470"/>
+            <a:ext cx="4796155" cy="3957955"/>
           </a:xfrm>
           <a:prstGeom prst="rect">
             <a:avLst/>
@@ -3822,7 +3995,7 @@
               <a:rPr lang="es-ES" altLang="en-US">
                 <a:sym typeface="+mn-ea"/>
               </a:rPr>
-              <a:t>Conexion y creación de base de datos</a:t>
+              <a:t>Clases de Java</a:t>
             </a:r>
             <a:endParaRPr lang="es-ES" altLang="en-US"/>
           </a:p>
@@ -3844,42 +4017,15 @@
           <a:p>
             <a:r>
               <a:rPr lang="es-ES" altLang="en-US"/>
-              <a:t>Comprobamos su funcionamiento agregando algunos registros.</a:t>
-            </a:r>
-            <a:endParaRPr lang="es-ES" altLang="en-US"/>
-          </a:p>
-          <a:p>
-            <a:endParaRPr lang="es-ES" altLang="en-US"/>
-          </a:p>
-          <a:p>
-            <a:endParaRPr lang="es-ES" altLang="en-US"/>
-          </a:p>
-        </p:txBody>
-      </p:sp>
-      <p:pic>
-        <p:nvPicPr>
-          <p:cNvPr id="4" name="Imagen 3" descr="coche_reg"/>
-          <p:cNvPicPr>
-            <a:picLocks noChangeAspect="1"/>
-          </p:cNvPicPr>
-          <p:nvPr/>
-        </p:nvPicPr>
-        <p:blipFill>
-          <a:blip r:embed="rId1"/>
-          <a:stretch>
-            <a:fillRect/>
-          </a:stretch>
-        </p:blipFill>
-        <p:spPr>
-          <a:xfrm>
-            <a:off x="1599565" y="2329180"/>
-            <a:ext cx="7792720" cy="4028440"/>
-          </a:xfrm>
-          <a:prstGeom prst="rect">
-            <a:avLst/>
-          </a:prstGeom>
-        </p:spPr>
-      </p:pic>
+              <a:t>Para construir el proyecto, utilizaremos Java SpringBoot, realizaremos una API REST que va a ser la encargada de realizar todas las operaciones necesarias con la base de datos para todas las tareas que necesite el cliente.</a:t>
+            </a:r>
+            <a:endParaRPr lang="es-ES" altLang="en-US"/>
+          </a:p>
+          <a:p>
+            <a:endParaRPr lang="es-ES" altLang="en-US"/>
+          </a:p>
+        </p:txBody>
+      </p:sp>
     </p:spTree>
   </p:cSld>
   <p:clrMapOvr>
@@ -3889,174 +4035,6 @@
 </file>
 
 <file path=ppt/slides/slide13.xml><?xml version="1.0" encoding="utf-8"?>
-<p:sld xmlns:a="http://schemas.openxmlformats.org/drawingml/2006/main" xmlns:r="http://schemas.openxmlformats.org/officeDocument/2006/relationships" xmlns:p="http://schemas.openxmlformats.org/presentationml/2006/main">
-  <p:cSld>
-    <p:spTree>
-      <p:nvGrpSpPr>
-        <p:cNvPr id="1" name=""/>
-        <p:cNvGrpSpPr/>
-        <p:nvPr/>
-      </p:nvGrpSpPr>
-      <p:grpSpPr/>
-      <p:sp>
-        <p:nvSpPr>
-          <p:cNvPr id="2" name="Título 1"/>
-          <p:cNvSpPr>
-            <a:spLocks noGrp="1"/>
-          </p:cNvSpPr>
-          <p:nvPr>
-            <p:ph type="title"/>
-          </p:nvPr>
-        </p:nvSpPr>
-        <p:spPr/>
-        <p:txBody>
-          <a:bodyPr/>
-          <a:p>
-            <a:pPr algn="ctr"/>
-            <a:r>
-              <a:rPr lang="es-ES" altLang="en-US">
-                <a:sym typeface="+mn-ea"/>
-              </a:rPr>
-              <a:t>Pruebas de funcionamiento</a:t>
-            </a:r>
-            <a:endParaRPr lang="es-ES" altLang="en-US"/>
-          </a:p>
-        </p:txBody>
-      </p:sp>
-      <p:sp>
-        <p:nvSpPr>
-          <p:cNvPr id="3" name="Marcador de posición de contenido 2"/>
-          <p:cNvSpPr>
-            <a:spLocks noGrp="1"/>
-          </p:cNvSpPr>
-          <p:nvPr>
-            <p:ph idx="1"/>
-          </p:nvPr>
-        </p:nvSpPr>
-        <p:spPr>
-          <a:xfrm>
-            <a:off x="647700" y="1584325"/>
-            <a:ext cx="10515600" cy="4351338"/>
-          </a:xfrm>
-        </p:spPr>
-        <p:txBody>
-          <a:bodyPr/>
-          <a:p>
-            <a:r>
-              <a:rPr lang="es-ES" altLang="en-US"/>
-              <a:t>Para comprobar que haciendo cualquier consulta a la base de datos funciona, realizamos una prueba en workbench.</a:t>
-            </a:r>
-            <a:endParaRPr lang="es-ES" altLang="en-US"/>
-          </a:p>
-          <a:p>
-            <a:endParaRPr lang="es-ES" altLang="en-US"/>
-          </a:p>
-          <a:p>
-            <a:endParaRPr lang="es-ES" altLang="en-US"/>
-          </a:p>
-        </p:txBody>
-      </p:sp>
-      <p:pic>
-        <p:nvPicPr>
-          <p:cNvPr id="4" name="Imagen 3" descr="workbench"/>
-          <p:cNvPicPr>
-            <a:picLocks noChangeAspect="1"/>
-          </p:cNvPicPr>
-          <p:nvPr/>
-        </p:nvPicPr>
-        <p:blipFill>
-          <a:blip r:embed="rId1"/>
-          <a:stretch>
-            <a:fillRect/>
-          </a:stretch>
-        </p:blipFill>
-        <p:spPr>
-          <a:xfrm>
-            <a:off x="2641600" y="2490470"/>
-            <a:ext cx="4796155" cy="3957955"/>
-          </a:xfrm>
-          <a:prstGeom prst="rect">
-            <a:avLst/>
-          </a:prstGeom>
-        </p:spPr>
-      </p:pic>
-    </p:spTree>
-  </p:cSld>
-  <p:clrMapOvr>
-    <a:masterClrMapping/>
-  </p:clrMapOvr>
-</p:sld>
-</file>
-
-<file path=ppt/slides/slide14.xml><?xml version="1.0" encoding="utf-8"?>
-<p:sld xmlns:a="http://schemas.openxmlformats.org/drawingml/2006/main" xmlns:r="http://schemas.openxmlformats.org/officeDocument/2006/relationships" xmlns:p="http://schemas.openxmlformats.org/presentationml/2006/main">
-  <p:cSld>
-    <p:spTree>
-      <p:nvGrpSpPr>
-        <p:cNvPr id="1" name=""/>
-        <p:cNvGrpSpPr/>
-        <p:nvPr/>
-      </p:nvGrpSpPr>
-      <p:grpSpPr/>
-      <p:sp>
-        <p:nvSpPr>
-          <p:cNvPr id="2" name="Título 1"/>
-          <p:cNvSpPr>
-            <a:spLocks noGrp="1"/>
-          </p:cNvSpPr>
-          <p:nvPr>
-            <p:ph type="title"/>
-          </p:nvPr>
-        </p:nvSpPr>
-        <p:spPr/>
-        <p:txBody>
-          <a:bodyPr/>
-          <a:p>
-            <a:pPr algn="ctr"/>
-            <a:r>
-              <a:rPr lang="es-ES" altLang="en-US">
-                <a:sym typeface="+mn-ea"/>
-              </a:rPr>
-              <a:t>Clases de Java</a:t>
-            </a:r>
-            <a:endParaRPr lang="es-ES" altLang="en-US"/>
-          </a:p>
-        </p:txBody>
-      </p:sp>
-      <p:sp>
-        <p:nvSpPr>
-          <p:cNvPr id="3" name="Marcador de posición de contenido 2"/>
-          <p:cNvSpPr>
-            <a:spLocks noGrp="1"/>
-          </p:cNvSpPr>
-          <p:nvPr>
-            <p:ph idx="1"/>
-          </p:nvPr>
-        </p:nvSpPr>
-        <p:spPr/>
-        <p:txBody>
-          <a:bodyPr/>
-          <a:p>
-            <a:r>
-              <a:rPr lang="es-ES" altLang="en-US"/>
-              <a:t>Para construir el proyecto, utilizaremos Java SpringBoot, realizaremos una API REST que va a ser la encargada de realizar todas las operaciones necesarias con la base de datos para todas las tareas que necesite el cliente.</a:t>
-            </a:r>
-            <a:endParaRPr lang="es-ES" altLang="en-US"/>
-          </a:p>
-          <a:p>
-            <a:endParaRPr lang="es-ES" altLang="en-US"/>
-          </a:p>
-        </p:txBody>
-      </p:sp>
-    </p:spTree>
-  </p:cSld>
-  <p:clrMapOvr>
-    <a:masterClrMapping/>
-  </p:clrMapOvr>
-</p:sld>
-</file>
-
-<file path=ppt/slides/slide15.xml><?xml version="1.0" encoding="utf-8"?>
 <p:sld xmlns:a="http://schemas.openxmlformats.org/drawingml/2006/main" xmlns:r="http://schemas.openxmlformats.org/officeDocument/2006/relationships" xmlns:p="http://schemas.openxmlformats.org/presentationml/2006/main">
   <p:cSld>
     <p:spTree>
@@ -4258,7 +4236,7 @@
 </p:sld>
 </file>
 
-<file path=ppt/slides/slide16.xml><?xml version="1.0" encoding="utf-8"?>
+<file path=ppt/slides/slide14.xml><?xml version="1.0" encoding="utf-8"?>
 <p:sld xmlns:a="http://schemas.openxmlformats.org/drawingml/2006/main" xmlns:r="http://schemas.openxmlformats.org/officeDocument/2006/relationships" xmlns:p="http://schemas.openxmlformats.org/presentationml/2006/main">
   <p:cSld>
     <p:spTree>
@@ -4448,7 +4426,7 @@
 </p:sld>
 </file>
 
-<file path=ppt/slides/slide17.xml><?xml version="1.0" encoding="utf-8"?>
+<file path=ppt/slides/slide15.xml><?xml version="1.0" encoding="utf-8"?>
 <p:sld xmlns:a="http://schemas.openxmlformats.org/drawingml/2006/main" xmlns:r="http://schemas.openxmlformats.org/officeDocument/2006/relationships" xmlns:p="http://schemas.openxmlformats.org/presentationml/2006/main">
   <p:cSld>
     <p:spTree>
@@ -4764,7 +4742,7 @@
 </p:sld>
 </file>
 
-<file path=ppt/slides/slide18.xml><?xml version="1.0" encoding="utf-8"?>
+<file path=ppt/slides/slide16.xml><?xml version="1.0" encoding="utf-8"?>
 <p:sld xmlns:a="http://schemas.openxmlformats.org/drawingml/2006/main" xmlns:r="http://schemas.openxmlformats.org/officeDocument/2006/relationships" xmlns:p="http://schemas.openxmlformats.org/presentationml/2006/main">
   <p:cSld>
     <p:spTree>
@@ -4968,6 +4946,261 @@
 </p:sld>
 </file>
 
+<file path=ppt/slides/slide17.xml><?xml version="1.0" encoding="utf-8"?>
+<p:sld xmlns:a="http://schemas.openxmlformats.org/drawingml/2006/main" xmlns:r="http://schemas.openxmlformats.org/officeDocument/2006/relationships" xmlns:p="http://schemas.openxmlformats.org/presentationml/2006/main">
+  <p:cSld>
+    <p:spTree>
+      <p:nvGrpSpPr>
+        <p:cNvPr id="1" name=""/>
+        <p:cNvGrpSpPr/>
+        <p:nvPr/>
+      </p:nvGrpSpPr>
+      <p:grpSpPr/>
+      <p:sp>
+        <p:nvSpPr>
+          <p:cNvPr id="2" name="Título 1"/>
+          <p:cNvSpPr>
+            <a:spLocks noGrp="1"/>
+          </p:cNvSpPr>
+          <p:nvPr>
+            <p:ph type="title"/>
+          </p:nvPr>
+        </p:nvSpPr>
+        <p:spPr/>
+        <p:txBody>
+          <a:bodyPr/>
+          <a:p>
+            <a:pPr algn="ctr"/>
+            <a:r>
+              <a:rPr lang="es-ES" altLang="en-US">
+                <a:sym typeface="+mn-ea"/>
+              </a:rPr>
+              <a:t>Clases de Java</a:t>
+            </a:r>
+            <a:endParaRPr lang="es-ES" altLang="en-US"/>
+          </a:p>
+        </p:txBody>
+      </p:sp>
+      <p:sp>
+        <p:nvSpPr>
+          <p:cNvPr id="3" name="Marcador de posición de contenido 2"/>
+          <p:cNvSpPr>
+            <a:spLocks noGrp="1"/>
+          </p:cNvSpPr>
+          <p:nvPr>
+            <p:ph idx="1"/>
+          </p:nvPr>
+        </p:nvSpPr>
+        <p:spPr/>
+        <p:txBody>
+          <a:bodyPr/>
+          <a:p>
+            <a:endParaRPr lang="es-ES" altLang="en-US"/>
+          </a:p>
+          <a:p>
+            <a:endParaRPr lang="es-ES" altLang="en-US"/>
+          </a:p>
+          <a:p>
+            <a:pPr indent="457200"/>
+            <a:r>
+              <a:rPr lang="es-ES" altLang="en-US">
+                <a:sym typeface="+mn-ea"/>
+              </a:rPr>
+              <a:t>- Pack</a:t>
+            </a:r>
+            <a:endParaRPr lang="es-ES" altLang="en-US"/>
+          </a:p>
+          <a:p>
+            <a:pPr indent="457200"/>
+            <a:endParaRPr lang="es-ES" altLang="en-US"/>
+          </a:p>
+        </p:txBody>
+      </p:sp>
+      <p:pic>
+        <p:nvPicPr>
+          <p:cNvPr id="5" name="Imagen 4" descr="tabpack1"/>
+          <p:cNvPicPr>
+            <a:picLocks noChangeAspect="1"/>
+          </p:cNvPicPr>
+          <p:nvPr/>
+        </p:nvPicPr>
+        <p:blipFill>
+          <a:blip r:embed="rId1"/>
+          <a:stretch>
+            <a:fillRect/>
+          </a:stretch>
+        </p:blipFill>
+        <p:spPr>
+          <a:xfrm>
+            <a:off x="2370455" y="1629410"/>
+            <a:ext cx="3725545" cy="4704080"/>
+          </a:xfrm>
+          <a:prstGeom prst="rect">
+            <a:avLst/>
+          </a:prstGeom>
+        </p:spPr>
+      </p:pic>
+      <p:pic>
+        <p:nvPicPr>
+          <p:cNvPr id="6" name="Imagen 5" descr="tabpack2"/>
+          <p:cNvPicPr>
+            <a:picLocks noChangeAspect="1"/>
+          </p:cNvPicPr>
+          <p:nvPr/>
+        </p:nvPicPr>
+        <p:blipFill>
+          <a:blip r:embed="rId2"/>
+          <a:stretch>
+            <a:fillRect/>
+          </a:stretch>
+        </p:blipFill>
+        <p:spPr>
+          <a:xfrm>
+            <a:off x="7037705" y="1584325"/>
+            <a:ext cx="3879215" cy="4511040"/>
+          </a:xfrm>
+          <a:prstGeom prst="rect">
+            <a:avLst/>
+          </a:prstGeom>
+        </p:spPr>
+      </p:pic>
+    </p:spTree>
+  </p:cSld>
+  <p:clrMapOvr>
+    <a:masterClrMapping/>
+  </p:clrMapOvr>
+  <mc:AlternateContent xmlns:mc="http://schemas.openxmlformats.org/markup-compatibility/2006">
+    <mc:Choice xmlns:p14="http://schemas.microsoft.com/office/powerpoint/2010/main" Requires="p14">
+      <p:transition spd="med" p14:dur="750">
+        <p:newsflash/>
+      </p:transition>
+    </mc:Choice>
+    <mc:Fallback>
+      <p:transition spd="med">
+        <p:newsflash/>
+      </p:transition>
+    </mc:Fallback>
+  </mc:AlternateContent>
+  <p:timing>
+    <p:tnLst>
+      <p:par>
+        <p:cTn id="1" dur="indefinite" restart="never" nodeType="tmRoot"/>
+      </p:par>
+    </p:tnLst>
+  </p:timing>
+</p:sld>
+</file>
+
+<file path=ppt/slides/slide18.xml><?xml version="1.0" encoding="utf-8"?>
+<p:sld xmlns:a="http://schemas.openxmlformats.org/drawingml/2006/main" xmlns:r="http://schemas.openxmlformats.org/officeDocument/2006/relationships" xmlns:p="http://schemas.openxmlformats.org/presentationml/2006/main">
+  <p:cSld>
+    <p:spTree>
+      <p:nvGrpSpPr>
+        <p:cNvPr id="1" name=""/>
+        <p:cNvGrpSpPr/>
+        <p:nvPr/>
+      </p:nvGrpSpPr>
+      <p:grpSpPr/>
+      <p:sp>
+        <p:nvSpPr>
+          <p:cNvPr id="2" name="Título 1"/>
+          <p:cNvSpPr>
+            <a:spLocks noGrp="1"/>
+          </p:cNvSpPr>
+          <p:nvPr>
+            <p:ph type="title"/>
+          </p:nvPr>
+        </p:nvSpPr>
+        <p:spPr/>
+        <p:txBody>
+          <a:bodyPr/>
+          <a:p>
+            <a:r>
+              <a:rPr lang="es-ES" altLang="en-US"/>
+              <a:t>Tecnologia: JPA</a:t>
+            </a:r>
+            <a:endParaRPr lang="es-ES" altLang="en-US"/>
+          </a:p>
+        </p:txBody>
+      </p:sp>
+      <p:sp>
+        <p:nvSpPr>
+          <p:cNvPr id="3" name="Marcador de posición de contenido 2"/>
+          <p:cNvSpPr>
+            <a:spLocks noGrp="1"/>
+          </p:cNvSpPr>
+          <p:nvPr>
+            <p:ph idx="1"/>
+          </p:nvPr>
+        </p:nvSpPr>
+        <p:spPr/>
+        <p:txBody>
+          <a:bodyPr/>
+          <a:p>
+            <a:r>
+              <a:rPr lang="es-ES" altLang="en-US"/>
+              <a:t>Utilizada principalmente para la relación entre las entidades y consultas derivadas.</a:t>
+            </a:r>
+            <a:endParaRPr lang="es-ES" altLang="en-US"/>
+          </a:p>
+        </p:txBody>
+      </p:sp>
+      <p:pic>
+        <p:nvPicPr>
+          <p:cNvPr id="4" name="Imagen 3" descr="jpa1"/>
+          <p:cNvPicPr>
+            <a:picLocks noChangeAspect="1"/>
+          </p:cNvPicPr>
+          <p:nvPr/>
+        </p:nvPicPr>
+        <p:blipFill>
+          <a:blip r:embed="rId1"/>
+          <a:stretch>
+            <a:fillRect/>
+          </a:stretch>
+        </p:blipFill>
+        <p:spPr>
+          <a:xfrm>
+            <a:off x="647700" y="2783205"/>
+            <a:ext cx="5108575" cy="2835910"/>
+          </a:xfrm>
+          <a:prstGeom prst="rect">
+            <a:avLst/>
+          </a:prstGeom>
+        </p:spPr>
+      </p:pic>
+      <p:pic>
+        <p:nvPicPr>
+          <p:cNvPr id="5" name="Imagen 4" descr="jpa2"/>
+          <p:cNvPicPr>
+            <a:picLocks noChangeAspect="1"/>
+          </p:cNvPicPr>
+          <p:nvPr/>
+        </p:nvPicPr>
+        <p:blipFill>
+          <a:blip r:embed="rId2"/>
+          <a:stretch>
+            <a:fillRect/>
+          </a:stretch>
+        </p:blipFill>
+        <p:spPr>
+          <a:xfrm>
+            <a:off x="5852795" y="2773680"/>
+            <a:ext cx="5685155" cy="2845435"/>
+          </a:xfrm>
+          <a:prstGeom prst="rect">
+            <a:avLst/>
+          </a:prstGeom>
+        </p:spPr>
+      </p:pic>
+    </p:spTree>
+  </p:cSld>
+  <p:clrMapOvr>
+    <a:masterClrMapping/>
+  </p:clrMapOvr>
+</p:sld>
+</file>
+
 <file path=ppt/slides/slide19.xml><?xml version="1.0" encoding="utf-8"?>
 <p:sld xmlns:a="http://schemas.openxmlformats.org/drawingml/2006/main" xmlns:r="http://schemas.openxmlformats.org/officeDocument/2006/relationships" xmlns:p="http://schemas.openxmlformats.org/presentationml/2006/main">
   <p:cSld>
@@ -4994,81 +5227,286 @@
           <a:p>
             <a:pPr algn="ctr"/>
             <a:r>
-              <a:rPr lang="es-ES" altLang="en-US">
-                <a:sym typeface="+mn-ea"/>
+              <a:rPr lang="es-ES" altLang="en-US"/>
+              <a:t>  Springboot</a:t>
+            </a:r>
+            <a:endParaRPr lang="es-ES" altLang="en-US"/>
+          </a:p>
+        </p:txBody>
+      </p:sp>
+      <p:sp>
+        <p:nvSpPr>
+          <p:cNvPr id="3" name="Marcador de posición de contenido 2"/>
+          <p:cNvSpPr>
+            <a:spLocks noGrp="1"/>
+          </p:cNvSpPr>
+          <p:nvPr>
+            <p:ph idx="1"/>
+          </p:nvPr>
+        </p:nvSpPr>
+        <p:spPr/>
+        <p:txBody>
+          <a:bodyPr/>
+          <a:p>
+            <a:r>
+              <a:rPr lang="es-ES" altLang="en-US"/>
+              <a:t>Controlador: Creados para las operaciones CRUD y consultas a las bases de datos.</a:t>
+            </a:r>
+            <a:endParaRPr lang="es-ES" altLang="en-US"/>
+          </a:p>
+          <a:p>
+            <a:endParaRPr lang="es-ES" altLang="en-US"/>
+          </a:p>
+        </p:txBody>
+      </p:sp>
+      <p:pic>
+        <p:nvPicPr>
+          <p:cNvPr id="4" name="Imagen 3" descr="controller1"/>
+          <p:cNvPicPr>
+            <a:picLocks noChangeAspect="1"/>
+          </p:cNvPicPr>
+          <p:nvPr/>
+        </p:nvPicPr>
+        <p:blipFill>
+          <a:blip r:embed="rId1"/>
+          <a:stretch>
+            <a:fillRect/>
+          </a:stretch>
+        </p:blipFill>
+        <p:spPr>
+          <a:xfrm>
+            <a:off x="833120" y="4535805"/>
+            <a:ext cx="4614545" cy="1868805"/>
+          </a:xfrm>
+          <a:prstGeom prst="rect">
+            <a:avLst/>
+          </a:prstGeom>
+        </p:spPr>
+      </p:pic>
+      <p:pic>
+        <p:nvPicPr>
+          <p:cNvPr id="5" name="Imagen 4" descr="get"/>
+          <p:cNvPicPr>
+            <a:picLocks noChangeAspect="1"/>
+          </p:cNvPicPr>
+          <p:nvPr/>
+        </p:nvPicPr>
+        <p:blipFill>
+          <a:blip r:embed="rId2"/>
+          <a:stretch>
+            <a:fillRect/>
+          </a:stretch>
+        </p:blipFill>
+        <p:spPr>
+          <a:xfrm>
+            <a:off x="6548755" y="2755900"/>
+            <a:ext cx="4614545" cy="3910330"/>
+          </a:xfrm>
+          <a:prstGeom prst="rect">
+            <a:avLst/>
+          </a:prstGeom>
+        </p:spPr>
+      </p:pic>
+      <p:sp>
+        <p:nvSpPr>
+          <p:cNvPr id="6" name="Cuadro de texto 5"/>
+          <p:cNvSpPr txBox="1"/>
+          <p:nvPr/>
+        </p:nvSpPr>
+        <p:spPr>
+          <a:xfrm>
+            <a:off x="956310" y="2872740"/>
+            <a:ext cx="4259580" cy="368300"/>
+          </a:xfrm>
+          <a:prstGeom prst="rect">
+            <a:avLst/>
+          </a:prstGeom>
+          <a:noFill/>
+        </p:spPr>
+        <p:txBody>
+          <a:bodyPr wrap="square" rtlCol="0">
+            <a:spAutoFit/>
+          </a:bodyPr>
+          <a:p>
+            <a:endParaRPr lang="es-ES" altLang="en-US"/>
+          </a:p>
+        </p:txBody>
+      </p:sp>
+      <p:sp>
+        <p:nvSpPr>
+          <p:cNvPr id="7" name="Cuadro de texto 6"/>
+          <p:cNvSpPr txBox="1"/>
+          <p:nvPr/>
+        </p:nvSpPr>
+        <p:spPr>
+          <a:xfrm>
+            <a:off x="1083310" y="2999740"/>
+            <a:ext cx="4259580" cy="368300"/>
+          </a:xfrm>
+          <a:prstGeom prst="rect">
+            <a:avLst/>
+          </a:prstGeom>
+          <a:noFill/>
+        </p:spPr>
+        <p:txBody>
+          <a:bodyPr wrap="square" rtlCol="0">
+            <a:spAutoFit/>
+          </a:bodyPr>
+          <a:p>
+            <a:endParaRPr lang="es-ES" altLang="en-US"/>
+          </a:p>
+        </p:txBody>
+      </p:sp>
+      <p:sp>
+        <p:nvSpPr>
+          <p:cNvPr id="8" name="Cuadro de texto 7"/>
+          <p:cNvSpPr txBox="1"/>
+          <p:nvPr/>
+        </p:nvSpPr>
+        <p:spPr>
+          <a:xfrm>
+            <a:off x="1463675" y="3550920"/>
+            <a:ext cx="2366645" cy="368300"/>
+          </a:xfrm>
+          <a:prstGeom prst="rect">
+            <a:avLst/>
+          </a:prstGeom>
+          <a:solidFill>
+            <a:srgbClr val="B4DF5A"/>
+          </a:solidFill>
+        </p:spPr>
+        <p:txBody>
+          <a:bodyPr wrap="square" rtlCol="0">
+            <a:spAutoFit/>
+          </a:bodyPr>
+          <a:p>
+            <a:r>
+              <a:rPr lang="es-ES" altLang="en-US"/>
+              <a:t>Inicializamos la clase</a:t>
+            </a:r>
+            <a:endParaRPr lang="es-ES" altLang="en-US"/>
+          </a:p>
+        </p:txBody>
+      </p:sp>
+      <p:sp>
+        <p:nvSpPr>
+          <p:cNvPr id="9" name="Cuadro de texto 8"/>
+          <p:cNvSpPr txBox="1"/>
+          <p:nvPr/>
+        </p:nvSpPr>
+        <p:spPr>
+          <a:xfrm>
+            <a:off x="647700" y="2875915"/>
+            <a:ext cx="4810125" cy="368300"/>
+          </a:xfrm>
+          <a:prstGeom prst="rect">
+            <a:avLst/>
+          </a:prstGeom>
+          <a:solidFill>
+            <a:srgbClr val="B4DF5A"/>
+          </a:solidFill>
+        </p:spPr>
+        <p:txBody>
+          <a:bodyPr wrap="square" rtlCol="0">
+            <a:noAutofit/>
+          </a:bodyPr>
+          <a:p>
+            <a:pPr algn="ctr"/>
+            <a:r>
+              <a:rPr lang="es-ES" altLang="en-US" sz="1600">
+                <a:solidFill>
+                  <a:schemeClr val="tx1"/>
+                </a:solidFill>
+                <a:uFillTx/>
               </a:rPr>
-              <a:t>Técnologias usadas</a:t>
-            </a:r>
-            <a:endParaRPr lang="es-ES" altLang="en-US"/>
-          </a:p>
-        </p:txBody>
-      </p:sp>
-      <p:sp>
-        <p:nvSpPr>
-          <p:cNvPr id="3" name="Marcador de posición de contenido 2"/>
-          <p:cNvSpPr>
-            <a:spLocks noGrp="1"/>
-          </p:cNvSpPr>
-          <p:nvPr>
-            <p:ph idx="1"/>
-          </p:nvPr>
-        </p:nvSpPr>
-        <p:spPr/>
-        <p:txBody>
-          <a:bodyPr/>
-          <a:p>
-            <a:r>
-              <a:rPr lang="es-ES" altLang="en-US"/>
-              <a:t>Para las diferentes tareas que va a realizar nuestra API, utilizaremos las siguientes tecnologias:</a:t>
-            </a:r>
-            <a:endParaRPr lang="es-ES" altLang="en-US"/>
-          </a:p>
-          <a:p>
-            <a:pPr indent="457200"/>
-            <a:r>
-              <a:rPr lang="es-ES" altLang="en-US"/>
-              <a:t>- JPA: 	Será la encargada de realizar todas aquellas consultas a la 		base de datos.</a:t>
-            </a:r>
-            <a:endParaRPr lang="es-ES" altLang="en-US"/>
-          </a:p>
-          <a:p>
-            <a:pPr indent="457200"/>
-            <a:r>
-              <a:rPr lang="es-ES" altLang="en-US"/>
-              <a:t>- Conector MySQL: Nos proporciona la conexión con la base de datos.</a:t>
-            </a:r>
-            <a:endParaRPr lang="es-ES" altLang="en-US"/>
-          </a:p>
-          <a:p>
-            <a:pPr indent="457200"/>
-            <a:r>
-              <a:rPr lang="es-ES" altLang="en-US"/>
-              <a:t>- WorkBench: gestor de base de datos.</a:t>
-            </a:r>
-            <a:endParaRPr lang="es-ES" altLang="en-US"/>
-          </a:p>
-          <a:p>
-            <a:pPr indent="457200"/>
-            <a:r>
-              <a:rPr lang="es-ES" altLang="en-US"/>
-              <a:t>- Springboot: para realizar la api rest.</a:t>
-            </a:r>
-            <a:endParaRPr lang="es-ES" altLang="en-US"/>
-          </a:p>
-          <a:p>
-            <a:pPr indent="457200"/>
-            <a:r>
-              <a:rPr lang="es-ES" altLang="en-US"/>
-              <a:t>- Para comprobar el funcionamiento utilizaremos la aplicación</a:t>
-            </a:r>
-            <a:endParaRPr lang="es-ES" altLang="en-US"/>
-          </a:p>
-          <a:p>
-            <a:pPr indent="457200"/>
-            <a:r>
-              <a:rPr lang="es-ES" altLang="en-US"/>
-              <a:t>  Postman.</a:t>
-            </a:r>
+              <a:t>Para la obtención de las consultas a la base de datos</a:t>
+            </a:r>
+            <a:endParaRPr lang="es-ES" altLang="en-US" sz="1600">
+              <a:solidFill>
+                <a:schemeClr val="tx1"/>
+              </a:solidFill>
+              <a:uFillTx/>
+            </a:endParaRPr>
+          </a:p>
+        </p:txBody>
+      </p:sp>
+      <p:sp>
+        <p:nvSpPr>
+          <p:cNvPr id="11" name="Flecha derecha 10"/>
+          <p:cNvSpPr/>
+          <p:nvPr/>
+        </p:nvSpPr>
+        <p:spPr>
+          <a:xfrm>
+            <a:off x="5565775" y="3013075"/>
+            <a:ext cx="761365" cy="75565"/>
+          </a:xfrm>
+          <a:prstGeom prst="rightArrow">
+            <a:avLst/>
+          </a:prstGeom>
+        </p:spPr>
+        <p:style>
+          <a:lnRef idx="2">
+            <a:schemeClr val="accent1">
+              <a:lumMod val="75000"/>
+            </a:schemeClr>
+          </a:lnRef>
+          <a:fillRef idx="1">
+            <a:schemeClr val="accent1"/>
+          </a:fillRef>
+          <a:effectRef idx="0">
+            <a:srgbClr val="FFFFFF"/>
+          </a:effectRef>
+          <a:fontRef idx="minor">
+            <a:schemeClr val="lt1"/>
+          </a:fontRef>
+        </p:style>
+        <p:txBody>
+          <a:bodyPr rtlCol="0" anchor="ctr"/>
+          <a:p>
+            <a:pPr algn="ctr"/>
+            <a:endParaRPr lang="es-ES" altLang="en-US"/>
+          </a:p>
+        </p:txBody>
+      </p:sp>
+      <p:sp>
+        <p:nvSpPr>
+          <p:cNvPr id="12" name="Flecha derecha 11"/>
+          <p:cNvSpPr/>
+          <p:nvPr/>
+        </p:nvSpPr>
+        <p:spPr>
+          <a:xfrm rot="5220000">
+            <a:off x="2442845" y="4102100"/>
+            <a:ext cx="442595" cy="76200"/>
+          </a:xfrm>
+          <a:prstGeom prst="rightArrow">
+            <a:avLst>
+              <a:gd name="adj1" fmla="val 50000"/>
+              <a:gd name="adj2" fmla="val 36134"/>
+            </a:avLst>
+          </a:prstGeom>
+        </p:spPr>
+        <p:style>
+          <a:lnRef idx="2">
+            <a:schemeClr val="accent1">
+              <a:lumMod val="75000"/>
+            </a:schemeClr>
+          </a:lnRef>
+          <a:fillRef idx="1">
+            <a:schemeClr val="accent1"/>
+          </a:fillRef>
+          <a:effectRef idx="0">
+            <a:srgbClr val="FFFFFF"/>
+          </a:effectRef>
+          <a:fontRef idx="minor">
+            <a:schemeClr val="lt1"/>
+          </a:fontRef>
+        </p:style>
+        <p:txBody>
+          <a:bodyPr rtlCol="0" anchor="ctr"/>
+          <a:p>
+            <a:pPr algn="ctr"/>
             <a:endParaRPr lang="es-ES" altLang="en-US"/>
           </a:p>
         </p:txBody>
@@ -5129,7 +5567,16 @@
           <a:p>
             <a:r>
               <a:rPr lang="es-ES" altLang="en-US"/>
-              <a:t> - Proyecto</a:t>
+              <a:t> - Descripción del proyecto</a:t>
+            </a:r>
+            <a:endParaRPr lang="es-ES" altLang="en-US"/>
+          </a:p>
+          <a:p>
+            <a:r>
+              <a:rPr lang="es-ES" altLang="en-US">
+                <a:sym typeface="+mn-ea"/>
+              </a:rPr>
+              <a:t>- Técnologias usadas</a:t>
             </a:r>
             <a:endParaRPr lang="es-ES" altLang="en-US"/>
           </a:p>
@@ -5151,13 +5598,6 @@
             <a:r>
               <a:rPr lang="es-ES" altLang="en-US"/>
               <a:t>- Clases de Java</a:t>
-            </a:r>
-            <a:endParaRPr lang="es-ES" altLang="en-US"/>
-          </a:p>
-          <a:p>
-            <a:r>
-              <a:rPr lang="es-ES" altLang="en-US"/>
-              <a:t>- Técnologias usadas</a:t>
             </a:r>
             <a:endParaRPr lang="es-ES" altLang="en-US"/>
           </a:p>
@@ -5182,6 +5622,379 @@
   <p:clrMapOvr>
     <a:masterClrMapping/>
   </p:clrMapOvr>
+  <p:timing>
+    <p:tnLst>
+      <p:par>
+        <p:cTn id="1" dur="indefinite" restart="never" nodeType="tmRoot">
+          <p:childTnLst>
+            <p:seq concurrent="1" nextAc="seek">
+              <p:cTn id="2" dur="indefinite" nodeType="mainSeq">
+                <p:childTnLst>
+                  <p:par>
+                    <p:cTn id="3" fill="hold">
+                      <p:stCondLst>
+                        <p:cond delay="indefinite"/>
+                      </p:stCondLst>
+                      <p:childTnLst>
+                        <p:par>
+                          <p:cTn id="4" fill="hold">
+                            <p:stCondLst>
+                              <p:cond delay="0"/>
+                            </p:stCondLst>
+                            <p:childTnLst>
+                              <p:par>
+                                <p:cTn id="5" presetID="1" presetClass="entr" presetSubtype="0" fill="hold" nodeType="clickEffect">
+                                  <p:stCondLst>
+                                    <p:cond delay="0"/>
+                                  </p:stCondLst>
+                                  <p:childTnLst>
+                                    <p:set>
+                                      <p:cBhvr>
+                                        <p:cTn id="6" dur="1" fill="hold">
+                                          <p:stCondLst>
+                                            <p:cond delay="0"/>
+                                          </p:stCondLst>
+                                        </p:cTn>
+                                        <p:tgtEl>
+                                          <p:spTgt spid="3">
+                                            <p:txEl>
+                                              <p:pRg st="0" end="0"/>
+                                            </p:txEl>
+                                          </p:spTgt>
+                                        </p:tgtEl>
+                                        <p:attrNameLst>
+                                          <p:attrName>style.visibility</p:attrName>
+                                        </p:attrNameLst>
+                                      </p:cBhvr>
+                                      <p:to>
+                                        <p:strVal val="visible"/>
+                                      </p:to>
+                                    </p:set>
+                                  </p:childTnLst>
+                                </p:cTn>
+                              </p:par>
+                            </p:childTnLst>
+                          </p:cTn>
+                        </p:par>
+                      </p:childTnLst>
+                    </p:cTn>
+                  </p:par>
+                  <p:par>
+                    <p:cTn id="7" fill="hold">
+                      <p:stCondLst>
+                        <p:cond delay="indefinite"/>
+                      </p:stCondLst>
+                      <p:childTnLst>
+                        <p:par>
+                          <p:cTn id="8" fill="hold">
+                            <p:stCondLst>
+                              <p:cond delay="0"/>
+                            </p:stCondLst>
+                            <p:childTnLst>
+                              <p:par>
+                                <p:cTn id="9" presetID="1" presetClass="entr" presetSubtype="0" fill="hold" nodeType="clickEffect">
+                                  <p:stCondLst>
+                                    <p:cond delay="0"/>
+                                  </p:stCondLst>
+                                  <p:childTnLst>
+                                    <p:set>
+                                      <p:cBhvr>
+                                        <p:cTn id="10" dur="1" fill="hold">
+                                          <p:stCondLst>
+                                            <p:cond delay="0"/>
+                                          </p:stCondLst>
+                                        </p:cTn>
+                                        <p:tgtEl>
+                                          <p:spTgt spid="3">
+                                            <p:txEl>
+                                              <p:pRg st="1" end="1"/>
+                                            </p:txEl>
+                                          </p:spTgt>
+                                        </p:tgtEl>
+                                        <p:attrNameLst>
+                                          <p:attrName>style.visibility</p:attrName>
+                                        </p:attrNameLst>
+                                      </p:cBhvr>
+                                      <p:to>
+                                        <p:strVal val="visible"/>
+                                      </p:to>
+                                    </p:set>
+                                  </p:childTnLst>
+                                </p:cTn>
+                              </p:par>
+                            </p:childTnLst>
+                          </p:cTn>
+                        </p:par>
+                      </p:childTnLst>
+                    </p:cTn>
+                  </p:par>
+                  <p:par>
+                    <p:cTn id="11" fill="hold">
+                      <p:stCondLst>
+                        <p:cond delay="indefinite"/>
+                      </p:stCondLst>
+                      <p:childTnLst>
+                        <p:par>
+                          <p:cTn id="12" fill="hold">
+                            <p:stCondLst>
+                              <p:cond delay="0"/>
+                            </p:stCondLst>
+                            <p:childTnLst>
+                              <p:par>
+                                <p:cTn id="13" presetID="1" presetClass="entr" presetSubtype="0" fill="hold" nodeType="clickEffect">
+                                  <p:stCondLst>
+                                    <p:cond delay="0"/>
+                                  </p:stCondLst>
+                                  <p:childTnLst>
+                                    <p:set>
+                                      <p:cBhvr>
+                                        <p:cTn id="14" dur="1" fill="hold">
+                                          <p:stCondLst>
+                                            <p:cond delay="0"/>
+                                          </p:stCondLst>
+                                        </p:cTn>
+                                        <p:tgtEl>
+                                          <p:spTgt spid="3">
+                                            <p:txEl>
+                                              <p:pRg st="2" end="2"/>
+                                            </p:txEl>
+                                          </p:spTgt>
+                                        </p:tgtEl>
+                                        <p:attrNameLst>
+                                          <p:attrName>style.visibility</p:attrName>
+                                        </p:attrNameLst>
+                                      </p:cBhvr>
+                                      <p:to>
+                                        <p:strVal val="visible"/>
+                                      </p:to>
+                                    </p:set>
+                                  </p:childTnLst>
+                                </p:cTn>
+                              </p:par>
+                            </p:childTnLst>
+                          </p:cTn>
+                        </p:par>
+                      </p:childTnLst>
+                    </p:cTn>
+                  </p:par>
+                  <p:par>
+                    <p:cTn id="15" fill="hold">
+                      <p:stCondLst>
+                        <p:cond delay="indefinite"/>
+                      </p:stCondLst>
+                      <p:childTnLst>
+                        <p:par>
+                          <p:cTn id="16" fill="hold">
+                            <p:stCondLst>
+                              <p:cond delay="0"/>
+                            </p:stCondLst>
+                            <p:childTnLst>
+                              <p:par>
+                                <p:cTn id="17" presetID="1" presetClass="entr" presetSubtype="0" fill="hold" nodeType="clickEffect">
+                                  <p:stCondLst>
+                                    <p:cond delay="0"/>
+                                  </p:stCondLst>
+                                  <p:childTnLst>
+                                    <p:set>
+                                      <p:cBhvr>
+                                        <p:cTn id="18" dur="1" fill="hold">
+                                          <p:stCondLst>
+                                            <p:cond delay="0"/>
+                                          </p:stCondLst>
+                                        </p:cTn>
+                                        <p:tgtEl>
+                                          <p:spTgt spid="3">
+                                            <p:txEl>
+                                              <p:pRg st="3" end="3"/>
+                                            </p:txEl>
+                                          </p:spTgt>
+                                        </p:tgtEl>
+                                        <p:attrNameLst>
+                                          <p:attrName>style.visibility</p:attrName>
+                                        </p:attrNameLst>
+                                      </p:cBhvr>
+                                      <p:to>
+                                        <p:strVal val="visible"/>
+                                      </p:to>
+                                    </p:set>
+                                  </p:childTnLst>
+                                </p:cTn>
+                              </p:par>
+                            </p:childTnLst>
+                          </p:cTn>
+                        </p:par>
+                      </p:childTnLst>
+                    </p:cTn>
+                  </p:par>
+                  <p:par>
+                    <p:cTn id="19" fill="hold">
+                      <p:stCondLst>
+                        <p:cond delay="indefinite"/>
+                      </p:stCondLst>
+                      <p:childTnLst>
+                        <p:par>
+                          <p:cTn id="20" fill="hold">
+                            <p:stCondLst>
+                              <p:cond delay="0"/>
+                            </p:stCondLst>
+                            <p:childTnLst>
+                              <p:par>
+                                <p:cTn id="21" presetID="1" presetClass="entr" presetSubtype="0" fill="hold" nodeType="clickEffect">
+                                  <p:stCondLst>
+                                    <p:cond delay="0"/>
+                                  </p:stCondLst>
+                                  <p:childTnLst>
+                                    <p:set>
+                                      <p:cBhvr>
+                                        <p:cTn id="22" dur="1" fill="hold">
+                                          <p:stCondLst>
+                                            <p:cond delay="0"/>
+                                          </p:stCondLst>
+                                        </p:cTn>
+                                        <p:tgtEl>
+                                          <p:spTgt spid="3">
+                                            <p:txEl>
+                                              <p:pRg st="4" end="4"/>
+                                            </p:txEl>
+                                          </p:spTgt>
+                                        </p:tgtEl>
+                                        <p:attrNameLst>
+                                          <p:attrName>style.visibility</p:attrName>
+                                        </p:attrNameLst>
+                                      </p:cBhvr>
+                                      <p:to>
+                                        <p:strVal val="visible"/>
+                                      </p:to>
+                                    </p:set>
+                                  </p:childTnLst>
+                                </p:cTn>
+                              </p:par>
+                            </p:childTnLst>
+                          </p:cTn>
+                        </p:par>
+                      </p:childTnLst>
+                    </p:cTn>
+                  </p:par>
+                  <p:par>
+                    <p:cTn id="23" fill="hold">
+                      <p:stCondLst>
+                        <p:cond delay="indefinite"/>
+                      </p:stCondLst>
+                      <p:childTnLst>
+                        <p:par>
+                          <p:cTn id="24" fill="hold">
+                            <p:stCondLst>
+                              <p:cond delay="0"/>
+                            </p:stCondLst>
+                            <p:childTnLst>
+                              <p:par>
+                                <p:cTn id="25" presetID="1" presetClass="entr" presetSubtype="0" fill="hold" nodeType="clickEffect">
+                                  <p:stCondLst>
+                                    <p:cond delay="0"/>
+                                  </p:stCondLst>
+                                  <p:childTnLst>
+                                    <p:set>
+                                      <p:cBhvr>
+                                        <p:cTn id="26" dur="1" fill="hold">
+                                          <p:stCondLst>
+                                            <p:cond delay="0"/>
+                                          </p:stCondLst>
+                                        </p:cTn>
+                                        <p:tgtEl>
+                                          <p:spTgt spid="3">
+                                            <p:txEl>
+                                              <p:pRg st="5" end="5"/>
+                                            </p:txEl>
+                                          </p:spTgt>
+                                        </p:tgtEl>
+                                        <p:attrNameLst>
+                                          <p:attrName>style.visibility</p:attrName>
+                                        </p:attrNameLst>
+                                      </p:cBhvr>
+                                      <p:to>
+                                        <p:strVal val="visible"/>
+                                      </p:to>
+                                    </p:set>
+                                  </p:childTnLst>
+                                </p:cTn>
+                              </p:par>
+                            </p:childTnLst>
+                          </p:cTn>
+                        </p:par>
+                      </p:childTnLst>
+                    </p:cTn>
+                  </p:par>
+                  <p:par>
+                    <p:cTn id="27" fill="hold">
+                      <p:stCondLst>
+                        <p:cond delay="indefinite"/>
+                      </p:stCondLst>
+                      <p:childTnLst>
+                        <p:par>
+                          <p:cTn id="28" fill="hold">
+                            <p:stCondLst>
+                              <p:cond delay="0"/>
+                            </p:stCondLst>
+                            <p:childTnLst>
+                              <p:par>
+                                <p:cTn id="29" presetID="1" presetClass="entr" presetSubtype="0" fill="hold" nodeType="clickEffect">
+                                  <p:stCondLst>
+                                    <p:cond delay="0"/>
+                                  </p:stCondLst>
+                                  <p:childTnLst>
+                                    <p:set>
+                                      <p:cBhvr>
+                                        <p:cTn id="30" dur="1" fill="hold">
+                                          <p:stCondLst>
+                                            <p:cond delay="0"/>
+                                          </p:stCondLst>
+                                        </p:cTn>
+                                        <p:tgtEl>
+                                          <p:spTgt spid="3">
+                                            <p:txEl>
+                                              <p:pRg st="6" end="6"/>
+                                            </p:txEl>
+                                          </p:spTgt>
+                                        </p:tgtEl>
+                                        <p:attrNameLst>
+                                          <p:attrName>style.visibility</p:attrName>
+                                        </p:attrNameLst>
+                                      </p:cBhvr>
+                                      <p:to>
+                                        <p:strVal val="visible"/>
+                                      </p:to>
+                                    </p:set>
+                                  </p:childTnLst>
+                                </p:cTn>
+                              </p:par>
+                            </p:childTnLst>
+                          </p:cTn>
+                        </p:par>
+                      </p:childTnLst>
+                    </p:cTn>
+                  </p:par>
+                </p:childTnLst>
+              </p:cTn>
+              <p:prevCondLst>
+                <p:cond evt="onPrev" delay="0">
+                  <p:tgtEl>
+                    <p:sldTgt/>
+                  </p:tgtEl>
+                </p:cond>
+              </p:prevCondLst>
+              <p:nextCondLst>
+                <p:cond evt="onNext" delay="0">
+                  <p:tgtEl>
+                    <p:sldTgt/>
+                  </p:tgtEl>
+                </p:cond>
+              </p:nextCondLst>
+            </p:seq>
+          </p:childTnLst>
+        </p:cTn>
+      </p:par>
+    </p:tnLst>
+  </p:timing>
 </p:sld>
 </file>
 
@@ -5209,31 +6022,12 @@
         <p:txBody>
           <a:bodyPr/>
           <a:p>
-            <a:r>
-              <a:rPr lang="es-ES" altLang="en-US"/>
-              <a:t>Tecnologia: JPA</a:t>
-            </a:r>
-            <a:endParaRPr lang="es-ES" altLang="en-US"/>
-          </a:p>
-        </p:txBody>
-      </p:sp>
-      <p:sp>
-        <p:nvSpPr>
-          <p:cNvPr id="3" name="Marcador de posición de contenido 2"/>
-          <p:cNvSpPr>
-            <a:spLocks noGrp="1"/>
-          </p:cNvSpPr>
-          <p:nvPr>
-            <p:ph idx="1"/>
-          </p:nvPr>
-        </p:nvSpPr>
-        <p:spPr/>
-        <p:txBody>
-          <a:bodyPr/>
-          <a:p>
-            <a:r>
-              <a:rPr lang="es-ES" altLang="en-US"/>
-              <a:t>Utilizada principalmente para la relación entre las entidades y consultas derivadas.</a:t>
+            <a:pPr algn="ctr"/>
+            <a:r>
+              <a:rPr lang="es-ES" altLang="en-US">
+                <a:sym typeface="+mn-ea"/>
+              </a:rPr>
+              <a:t>  Springboot</a:t>
             </a:r>
             <a:endParaRPr lang="es-ES" altLang="en-US"/>
           </a:p>
@@ -5241,11 +6035,13 @@
       </p:sp>
       <p:pic>
         <p:nvPicPr>
-          <p:cNvPr id="4" name="Imagen 3" descr="jpa1"/>
+          <p:cNvPr id="4" name="Marcador de posición de contenido 3" descr="delete"/>
           <p:cNvPicPr>
             <a:picLocks noChangeAspect="1"/>
           </p:cNvPicPr>
-          <p:nvPr/>
+          <p:nvPr>
+            <p:ph idx="1"/>
+          </p:nvPr>
         </p:nvPicPr>
         <p:blipFill>
           <a:blip r:embed="rId1"/>
@@ -5255,8 +6051,8 @@
         </p:blipFill>
         <p:spPr>
           <a:xfrm>
-            <a:off x="647700" y="2783205"/>
-            <a:ext cx="5108575" cy="2835910"/>
+            <a:off x="4495800" y="5140325"/>
+            <a:ext cx="6667500" cy="1219200"/>
           </a:xfrm>
           <a:prstGeom prst="rect">
             <a:avLst/>
@@ -5265,7 +6061,7 @@
       </p:pic>
       <p:pic>
         <p:nvPicPr>
-          <p:cNvPr id="5" name="Imagen 4" descr="jpa2"/>
+          <p:cNvPr id="6" name="Imagen 5" descr="post"/>
           <p:cNvPicPr>
             <a:picLocks noChangeAspect="1"/>
           </p:cNvPicPr>
@@ -5279,14 +6075,176 @@
         </p:blipFill>
         <p:spPr>
           <a:xfrm>
-            <a:off x="5852795" y="2773680"/>
-            <a:ext cx="5685155" cy="2845435"/>
+            <a:off x="5652135" y="1381760"/>
+            <a:ext cx="5109845" cy="3655695"/>
           </a:xfrm>
           <a:prstGeom prst="rect">
             <a:avLst/>
           </a:prstGeom>
         </p:spPr>
       </p:pic>
+      <p:sp>
+        <p:nvSpPr>
+          <p:cNvPr id="9" name="Cuadro de texto 8"/>
+          <p:cNvSpPr txBox="1"/>
+          <p:nvPr/>
+        </p:nvSpPr>
+        <p:spPr>
+          <a:xfrm>
+            <a:off x="647700" y="2011680"/>
+            <a:ext cx="2917825" cy="368300"/>
+          </a:xfrm>
+          <a:prstGeom prst="rect">
+            <a:avLst/>
+          </a:prstGeom>
+          <a:solidFill>
+            <a:srgbClr val="B4DF5A"/>
+          </a:solidFill>
+        </p:spPr>
+        <p:txBody>
+          <a:bodyPr wrap="square" rtlCol="0">
+            <a:noAutofit/>
+          </a:bodyPr>
+          <a:p>
+            <a:pPr algn="ctr"/>
+            <a:r>
+              <a:rPr lang="es-ES" altLang="en-US" sz="1600">
+                <a:solidFill>
+                  <a:schemeClr val="tx1"/>
+                </a:solidFill>
+                <a:uFillTx/>
+              </a:rPr>
+              <a:t>Insercciones y actualizaciones</a:t>
+            </a:r>
+            <a:endParaRPr lang="es-ES" altLang="en-US" sz="1600">
+              <a:solidFill>
+                <a:schemeClr val="tx1"/>
+              </a:solidFill>
+              <a:uFillTx/>
+            </a:endParaRPr>
+          </a:p>
+        </p:txBody>
+      </p:sp>
+      <p:sp>
+        <p:nvSpPr>
+          <p:cNvPr id="7" name="Cuadro de texto 6"/>
+          <p:cNvSpPr txBox="1"/>
+          <p:nvPr/>
+        </p:nvSpPr>
+        <p:spPr>
+          <a:xfrm>
+            <a:off x="647700" y="5338445"/>
+            <a:ext cx="2376170" cy="368300"/>
+          </a:xfrm>
+          <a:prstGeom prst="rect">
+            <a:avLst/>
+          </a:prstGeom>
+          <a:solidFill>
+            <a:srgbClr val="B4DF5A"/>
+          </a:solidFill>
+        </p:spPr>
+        <p:txBody>
+          <a:bodyPr wrap="square" rtlCol="0">
+            <a:noAutofit/>
+          </a:bodyPr>
+          <a:p>
+            <a:pPr algn="ctr"/>
+            <a:r>
+              <a:rPr lang="es-ES" altLang="en-US" sz="1600">
+                <a:solidFill>
+                  <a:schemeClr val="tx1"/>
+                </a:solidFill>
+                <a:uFillTx/>
+              </a:rPr>
+              <a:t>Eliminación de registros</a:t>
+            </a:r>
+            <a:endParaRPr lang="es-ES" altLang="en-US" sz="1600">
+              <a:solidFill>
+                <a:schemeClr val="tx1"/>
+              </a:solidFill>
+              <a:uFillTx/>
+            </a:endParaRPr>
+          </a:p>
+        </p:txBody>
+      </p:sp>
+      <p:sp>
+        <p:nvSpPr>
+          <p:cNvPr id="11" name="Flecha derecha 10"/>
+          <p:cNvSpPr/>
+          <p:nvPr/>
+        </p:nvSpPr>
+        <p:spPr>
+          <a:xfrm>
+            <a:off x="4135755" y="2157730"/>
+            <a:ext cx="1264920" cy="76200"/>
+          </a:xfrm>
+          <a:prstGeom prst="rightArrow">
+            <a:avLst/>
+          </a:prstGeom>
+        </p:spPr>
+        <p:style>
+          <a:lnRef idx="2">
+            <a:schemeClr val="accent1">
+              <a:lumMod val="75000"/>
+            </a:schemeClr>
+          </a:lnRef>
+          <a:fillRef idx="1">
+            <a:schemeClr val="accent1"/>
+          </a:fillRef>
+          <a:effectRef idx="0">
+            <a:srgbClr val="FFFFFF"/>
+          </a:effectRef>
+          <a:fontRef idx="minor">
+            <a:schemeClr val="lt1"/>
+          </a:fontRef>
+        </p:style>
+        <p:txBody>
+          <a:bodyPr rtlCol="0" anchor="ctr"/>
+          <a:p>
+            <a:pPr algn="ctr"/>
+            <a:endParaRPr lang="es-ES" altLang="en-US"/>
+          </a:p>
+        </p:txBody>
+      </p:sp>
+      <p:sp>
+        <p:nvSpPr>
+          <p:cNvPr id="8" name="Flecha derecha 7"/>
+          <p:cNvSpPr/>
+          <p:nvPr/>
+        </p:nvSpPr>
+        <p:spPr>
+          <a:xfrm>
+            <a:off x="3176905" y="5485130"/>
+            <a:ext cx="1163320" cy="76200"/>
+          </a:xfrm>
+          <a:prstGeom prst="rightArrow">
+            <a:avLst/>
+          </a:prstGeom>
+        </p:spPr>
+        <p:style>
+          <a:lnRef idx="2">
+            <a:schemeClr val="accent1">
+              <a:lumMod val="75000"/>
+            </a:schemeClr>
+          </a:lnRef>
+          <a:fillRef idx="1">
+            <a:schemeClr val="accent1"/>
+          </a:fillRef>
+          <a:effectRef idx="0">
+            <a:srgbClr val="FFFFFF"/>
+          </a:effectRef>
+          <a:fontRef idx="minor">
+            <a:schemeClr val="lt1"/>
+          </a:fontRef>
+        </p:style>
+        <p:txBody>
+          <a:bodyPr rtlCol="0" anchor="ctr"/>
+          <a:p>
+            <a:pPr algn="ctr"/>
+            <a:endParaRPr lang="es-ES" altLang="en-US"/>
+          </a:p>
+        </p:txBody>
+      </p:sp>
     </p:spTree>
   </p:cSld>
   <p:clrMapOvr>
@@ -5322,7 +6280,7 @@
             <a:pPr algn="ctr"/>
             <a:r>
               <a:rPr lang="es-ES" altLang="en-US"/>
-              <a:t>Tecnologia:  Springboot</a:t>
+              <a:t>POSTMAN</a:t>
             </a:r>
             <a:endParaRPr lang="es-ES" altLang="en-US"/>
           </a:p>
@@ -5338,13 +6296,18 @@
             <p:ph idx="1"/>
           </p:nvPr>
         </p:nvSpPr>
-        <p:spPr/>
+        <p:spPr>
+          <a:xfrm>
+            <a:off x="647700" y="1584960"/>
+            <a:ext cx="10515600" cy="4592320"/>
+          </a:xfrm>
+        </p:spPr>
         <p:txBody>
           <a:bodyPr/>
           <a:p>
             <a:r>
               <a:rPr lang="es-ES" altLang="en-US"/>
-              <a:t>La utilizaremos principalmente para la comunicación entre máquinas para las operaciones CRUD a  las bases de datos.</a:t>
+              <a:t>Con GET realizamos las distintas consultas a la bbdd.</a:t>
             </a:r>
             <a:endParaRPr lang="es-ES" altLang="en-US"/>
           </a:p>
@@ -5355,7 +6318,7 @@
       </p:sp>
       <p:pic>
         <p:nvPicPr>
-          <p:cNvPr id="4" name="Imagen 3" descr="controller1"/>
+          <p:cNvPr id="4" name="Imagen 3" descr="postman"/>
           <p:cNvPicPr>
             <a:picLocks noChangeAspect="1"/>
           </p:cNvPicPr>
@@ -5369,216 +6332,27 @@
         </p:blipFill>
         <p:spPr>
           <a:xfrm>
-            <a:off x="833120" y="4535805"/>
-            <a:ext cx="4614545" cy="1868805"/>
+            <a:off x="3560445" y="2223770"/>
+            <a:ext cx="6915785" cy="3881120"/>
           </a:xfrm>
           <a:prstGeom prst="rect">
             <a:avLst/>
           </a:prstGeom>
         </p:spPr>
       </p:pic>
-      <p:pic>
-        <p:nvPicPr>
-          <p:cNvPr id="5" name="Imagen 4" descr="get"/>
-          <p:cNvPicPr>
-            <a:picLocks noChangeAspect="1"/>
-          </p:cNvPicPr>
-          <p:nvPr/>
-        </p:nvPicPr>
-        <p:blipFill>
-          <a:blip r:embed="rId2"/>
-          <a:stretch>
-            <a:fillRect/>
-          </a:stretch>
-        </p:blipFill>
-        <p:spPr>
-          <a:xfrm>
-            <a:off x="6548755" y="2755900"/>
-            <a:ext cx="4614545" cy="3910330"/>
-          </a:xfrm>
-          <a:prstGeom prst="rect">
-            <a:avLst/>
-          </a:prstGeom>
-        </p:spPr>
-      </p:pic>
-      <p:sp>
-        <p:nvSpPr>
-          <p:cNvPr id="6" name="Cuadro de texto 5"/>
-          <p:cNvSpPr txBox="1"/>
-          <p:nvPr/>
-        </p:nvSpPr>
-        <p:spPr>
-          <a:xfrm>
-            <a:off x="956310" y="2872740"/>
-            <a:ext cx="4259580" cy="368300"/>
-          </a:xfrm>
-          <a:prstGeom prst="rect">
-            <a:avLst/>
-          </a:prstGeom>
-          <a:noFill/>
-        </p:spPr>
-        <p:txBody>
-          <a:bodyPr wrap="square" rtlCol="0">
-            <a:spAutoFit/>
-          </a:bodyPr>
-          <a:p>
-            <a:endParaRPr lang="es-ES" altLang="en-US"/>
-          </a:p>
-        </p:txBody>
-      </p:sp>
-      <p:sp>
-        <p:nvSpPr>
-          <p:cNvPr id="7" name="Cuadro de texto 6"/>
-          <p:cNvSpPr txBox="1"/>
-          <p:nvPr/>
-        </p:nvSpPr>
-        <p:spPr>
-          <a:xfrm>
-            <a:off x="1083310" y="2999740"/>
-            <a:ext cx="4259580" cy="368300"/>
-          </a:xfrm>
-          <a:prstGeom prst="rect">
-            <a:avLst/>
-          </a:prstGeom>
-          <a:noFill/>
-        </p:spPr>
-        <p:txBody>
-          <a:bodyPr wrap="square" rtlCol="0">
-            <a:spAutoFit/>
-          </a:bodyPr>
-          <a:p>
-            <a:endParaRPr lang="es-ES" altLang="en-US"/>
-          </a:p>
-        </p:txBody>
-      </p:sp>
-      <p:sp>
-        <p:nvSpPr>
-          <p:cNvPr id="8" name="Cuadro de texto 7"/>
-          <p:cNvSpPr txBox="1"/>
-          <p:nvPr/>
-        </p:nvSpPr>
-        <p:spPr>
-          <a:xfrm>
-            <a:off x="1463675" y="3550920"/>
-            <a:ext cx="2366645" cy="368300"/>
-          </a:xfrm>
-          <a:prstGeom prst="rect">
-            <a:avLst/>
-          </a:prstGeom>
-          <a:solidFill>
-            <a:srgbClr val="B4DF5A"/>
-          </a:solidFill>
-        </p:spPr>
-        <p:txBody>
-          <a:bodyPr wrap="square" rtlCol="0">
-            <a:spAutoFit/>
-          </a:bodyPr>
-          <a:p>
-            <a:r>
-              <a:rPr lang="es-ES" altLang="en-US"/>
-              <a:t>Inicializamos la clase</a:t>
-            </a:r>
-            <a:endParaRPr lang="es-ES" altLang="en-US"/>
-          </a:p>
-        </p:txBody>
-      </p:sp>
-      <p:sp>
-        <p:nvSpPr>
-          <p:cNvPr id="9" name="Cuadro de texto 8"/>
-          <p:cNvSpPr txBox="1"/>
-          <p:nvPr/>
-        </p:nvSpPr>
-        <p:spPr>
-          <a:xfrm>
-            <a:off x="647700" y="2875915"/>
-            <a:ext cx="4810125" cy="368300"/>
-          </a:xfrm>
-          <a:prstGeom prst="rect">
-            <a:avLst/>
-          </a:prstGeom>
-          <a:solidFill>
-            <a:srgbClr val="B4DF5A"/>
-          </a:solidFill>
-        </p:spPr>
-        <p:txBody>
-          <a:bodyPr wrap="square" rtlCol="0">
-            <a:noAutofit/>
-          </a:bodyPr>
-          <a:p>
-            <a:pPr algn="ctr"/>
-            <a:r>
-              <a:rPr lang="es-ES" altLang="en-US" sz="1600">
-                <a:solidFill>
-                  <a:schemeClr val="tx1"/>
-                </a:solidFill>
-                <a:uFillTx/>
-              </a:rPr>
-              <a:t>Para la obtención de las consultas a la base de datos</a:t>
-            </a:r>
-            <a:endParaRPr lang="es-ES" altLang="en-US" sz="1600">
-              <a:solidFill>
-                <a:schemeClr val="tx1"/>
-              </a:solidFill>
-              <a:uFillTx/>
-            </a:endParaRPr>
-          </a:p>
-        </p:txBody>
-      </p:sp>
-      <p:sp>
-        <p:nvSpPr>
-          <p:cNvPr id="11" name="Flecha derecha 10"/>
+      <p:sp>
+        <p:nvSpPr>
+          <p:cNvPr id="5" name="Flecha a la derecha con bandas 4"/>
           <p:cNvSpPr/>
           <p:nvPr/>
         </p:nvSpPr>
         <p:spPr>
           <a:xfrm>
-            <a:off x="5565775" y="3013075"/>
-            <a:ext cx="761365" cy="75565"/>
-          </a:xfrm>
-          <a:prstGeom prst="rightArrow">
+            <a:off x="1193165" y="2533650"/>
+            <a:ext cx="1924050" cy="390525"/>
+          </a:xfrm>
+          <a:prstGeom prst="stripedRightArrow">
             <a:avLst/>
-          </a:prstGeom>
-        </p:spPr>
-        <p:style>
-          <a:lnRef idx="2">
-            <a:schemeClr val="accent1">
-              <a:lumMod val="75000"/>
-            </a:schemeClr>
-          </a:lnRef>
-          <a:fillRef idx="1">
-            <a:schemeClr val="accent1"/>
-          </a:fillRef>
-          <a:effectRef idx="0">
-            <a:srgbClr val="FFFFFF"/>
-          </a:effectRef>
-          <a:fontRef idx="minor">
-            <a:schemeClr val="lt1"/>
-          </a:fontRef>
-        </p:style>
-        <p:txBody>
-          <a:bodyPr rtlCol="0" anchor="ctr"/>
-          <a:p>
-            <a:pPr algn="ctr"/>
-            <a:endParaRPr lang="es-ES" altLang="en-US"/>
-          </a:p>
-        </p:txBody>
-      </p:sp>
-      <p:sp>
-        <p:nvSpPr>
-          <p:cNvPr id="12" name="Flecha derecha 11"/>
-          <p:cNvSpPr/>
-          <p:nvPr/>
-        </p:nvSpPr>
-        <p:spPr>
-          <a:xfrm rot="5220000">
-            <a:off x="2442845" y="4102100"/>
-            <a:ext cx="442595" cy="76200"/>
-          </a:xfrm>
-          <a:prstGeom prst="rightArrow">
-            <a:avLst>
-              <a:gd name="adj1" fmla="val 50000"/>
-              <a:gd name="adj2" fmla="val 36134"/>
-            </a:avLst>
           </a:prstGeom>
         </p:spPr>
         <p:style>
@@ -5637,12 +6411,31 @@
         <p:txBody>
           <a:bodyPr/>
           <a:p>
-            <a:pPr algn="ctr"/>
-            <a:r>
-              <a:rPr lang="es-ES" altLang="en-US">
-                <a:sym typeface="+mn-ea"/>
-              </a:rPr>
-              <a:t>Tecnologia:  Springboot</a:t>
+            <a:r>
+              <a:rPr lang="es-ES" altLang="en-US"/>
+              <a:t>				POSTMAN</a:t>
+            </a:r>
+            <a:endParaRPr lang="es-ES" altLang="en-US"/>
+          </a:p>
+        </p:txBody>
+      </p:sp>
+      <p:sp>
+        <p:nvSpPr>
+          <p:cNvPr id="3" name="Marcador de posición de contenido 2"/>
+          <p:cNvSpPr>
+            <a:spLocks noGrp="1"/>
+          </p:cNvSpPr>
+          <p:nvPr>
+            <p:ph idx="1"/>
+          </p:nvPr>
+        </p:nvSpPr>
+        <p:spPr/>
+        <p:txBody>
+          <a:bodyPr/>
+          <a:p>
+            <a:r>
+              <a:rPr lang="es-ES" altLang="en-US"/>
+              <a:t>POST: Para añadir nuevos registros </a:t>
             </a:r>
             <a:endParaRPr lang="es-ES" altLang="en-US"/>
           </a:p>
@@ -5650,13 +6443,11 @@
       </p:sp>
       <p:pic>
         <p:nvPicPr>
-          <p:cNvPr id="4" name="Marcador de posición de contenido 3" descr="delete"/>
+          <p:cNvPr id="4" name="Imagen 3" descr="owner"/>
           <p:cNvPicPr>
             <a:picLocks noChangeAspect="1"/>
           </p:cNvPicPr>
-          <p:nvPr>
-            <p:ph idx="1"/>
-          </p:nvPr>
+          <p:nvPr/>
         </p:nvPicPr>
         <p:blipFill>
           <a:blip r:embed="rId1"/>
@@ -5666,38 +6457,14 @@
         </p:blipFill>
         <p:spPr>
           <a:xfrm>
-            <a:off x="4495800" y="5140325"/>
-            <a:ext cx="6667500" cy="1219200"/>
+            <a:off x="3150870" y="2304415"/>
+            <a:ext cx="7358380" cy="4487545"/>
           </a:xfrm>
           <a:prstGeom prst="rect">
             <a:avLst/>
           </a:prstGeom>
         </p:spPr>
       </p:pic>
-      <p:pic>
-        <p:nvPicPr>
-          <p:cNvPr id="6" name="Imagen 5" descr="post"/>
-          <p:cNvPicPr>
-            <a:picLocks noChangeAspect="1"/>
-          </p:cNvPicPr>
-          <p:nvPr/>
-        </p:nvPicPr>
-        <p:blipFill>
-          <a:blip r:embed="rId2"/>
-          <a:stretch>
-            <a:fillRect/>
-          </a:stretch>
-        </p:blipFill>
-        <p:spPr>
-          <a:xfrm>
-            <a:off x="5652135" y="1381760"/>
-            <a:ext cx="5109845" cy="3655695"/>
-          </a:xfrm>
-          <a:prstGeom prst="rect">
-            <a:avLst/>
-          </a:prstGeom>
-        </p:spPr>
-      </p:pic>
       <p:sp>
         <p:nvSpPr>
           <p:cNvPr id="9" name="Cuadro de texto 8"/>
@@ -5706,8 +6473,8 @@
         </p:nvSpPr>
         <p:spPr>
           <a:xfrm>
-            <a:off x="647700" y="2011680"/>
-            <a:ext cx="2917825" cy="368300"/>
+            <a:off x="287655" y="2714625"/>
+            <a:ext cx="1909445" cy="368300"/>
           </a:xfrm>
           <a:prstGeom prst="rect">
             <a:avLst/>
@@ -5729,7 +6496,7 @@
                 </a:solidFill>
                 <a:uFillTx/>
               </a:rPr>
-              <a:t>Insercciones y actualizaciones</a:t>
+              <a:t>creamos un coche</a:t>
             </a:r>
             <a:endParaRPr lang="es-ES" altLang="en-US" sz="1600">
               <a:solidFill>
@@ -5742,95 +6509,14 @@
       </p:sp>
       <p:sp>
         <p:nvSpPr>
-          <p:cNvPr id="7" name="Cuadro de texto 6"/>
-          <p:cNvSpPr txBox="1"/>
-          <p:nvPr/>
-        </p:nvSpPr>
-        <p:spPr>
-          <a:xfrm>
-            <a:off x="647700" y="5338445"/>
-            <a:ext cx="2376170" cy="368300"/>
-          </a:xfrm>
-          <a:prstGeom prst="rect">
-            <a:avLst/>
-          </a:prstGeom>
-          <a:solidFill>
-            <a:srgbClr val="B4DF5A"/>
-          </a:solidFill>
-        </p:spPr>
-        <p:txBody>
-          <a:bodyPr wrap="square" rtlCol="0">
-            <a:noAutofit/>
-          </a:bodyPr>
-          <a:p>
-            <a:pPr algn="ctr"/>
-            <a:r>
-              <a:rPr lang="es-ES" altLang="en-US" sz="1600">
-                <a:solidFill>
-                  <a:schemeClr val="tx1"/>
-                </a:solidFill>
-                <a:uFillTx/>
-              </a:rPr>
-              <a:t>Eliminación de registros</a:t>
-            </a:r>
-            <a:endParaRPr lang="es-ES" altLang="en-US" sz="1600">
-              <a:solidFill>
-                <a:schemeClr val="tx1"/>
-              </a:solidFill>
-              <a:uFillTx/>
-            </a:endParaRPr>
-          </a:p>
-        </p:txBody>
-      </p:sp>
-      <p:sp>
-        <p:nvSpPr>
           <p:cNvPr id="11" name="Flecha derecha 10"/>
           <p:cNvSpPr/>
           <p:nvPr/>
         </p:nvSpPr>
         <p:spPr>
           <a:xfrm>
-            <a:off x="4135755" y="2157730"/>
-            <a:ext cx="1264920" cy="76200"/>
-          </a:xfrm>
-          <a:prstGeom prst="rightArrow">
-            <a:avLst/>
-          </a:prstGeom>
-        </p:spPr>
-        <p:style>
-          <a:lnRef idx="2">
-            <a:schemeClr val="accent1">
-              <a:lumMod val="75000"/>
-            </a:schemeClr>
-          </a:lnRef>
-          <a:fillRef idx="1">
-            <a:schemeClr val="accent1"/>
-          </a:fillRef>
-          <a:effectRef idx="0">
-            <a:srgbClr val="FFFFFF"/>
-          </a:effectRef>
-          <a:fontRef idx="minor">
-            <a:schemeClr val="lt1"/>
-          </a:fontRef>
-        </p:style>
-        <p:txBody>
-          <a:bodyPr rtlCol="0" anchor="ctr"/>
-          <a:p>
-            <a:pPr algn="ctr"/>
-            <a:endParaRPr lang="es-ES" altLang="en-US"/>
-          </a:p>
-        </p:txBody>
-      </p:sp>
-      <p:sp>
-        <p:nvSpPr>
-          <p:cNvPr id="8" name="Flecha derecha 7"/>
-          <p:cNvSpPr/>
-          <p:nvPr/>
-        </p:nvSpPr>
-        <p:spPr>
-          <a:xfrm>
-            <a:off x="3176905" y="5485130"/>
-            <a:ext cx="1163320" cy="76200"/>
+            <a:off x="2314575" y="2860675"/>
+            <a:ext cx="739775" cy="76200"/>
           </a:xfrm>
           <a:prstGeom prst="rightArrow">
             <a:avLst/>
@@ -5911,24 +6597,9 @@
             <p:ph idx="1"/>
           </p:nvPr>
         </p:nvSpPr>
-        <p:spPr>
-          <a:xfrm>
-            <a:off x="647700" y="1584960"/>
-            <a:ext cx="10515600" cy="4592320"/>
-          </a:xfrm>
-        </p:spPr>
+        <p:spPr/>
         <p:txBody>
           <a:bodyPr/>
-          <a:p>
-            <a:r>
-              <a:rPr lang="es-ES" altLang="en-US"/>
-              <a:t>Hacer filtros para que nos muestre resultados:</a:t>
-            </a:r>
-            <a:endParaRPr lang="es-ES" altLang="en-US"/>
-          </a:p>
-          <a:p>
-            <a:endParaRPr lang="es-ES" altLang="en-US"/>
-          </a:p>
           <a:p>
             <a:endParaRPr lang="es-ES" altLang="en-US"/>
           </a:p>
@@ -5936,7 +6607,7 @@
       </p:sp>
       <p:pic>
         <p:nvPicPr>
-          <p:cNvPr id="4" name="Imagen 3" descr="postman"/>
+          <p:cNvPr id="4" name="Imagen 3" descr="post1"/>
           <p:cNvPicPr>
             <a:picLocks noChangeAspect="1"/>
           </p:cNvPicPr>
@@ -5950,26 +6621,173 @@
         </p:blipFill>
         <p:spPr>
           <a:xfrm>
-            <a:off x="3560445" y="2223770"/>
-            <a:ext cx="6915785" cy="3881120"/>
+            <a:off x="647700" y="1825625"/>
+            <a:ext cx="5448300" cy="2877820"/>
           </a:xfrm>
           <a:prstGeom prst="rect">
             <a:avLst/>
           </a:prstGeom>
         </p:spPr>
       </p:pic>
-      <p:sp>
-        <p:nvSpPr>
-          <p:cNvPr id="5" name="Flecha a la derecha con bandas 4"/>
+      <p:pic>
+        <p:nvPicPr>
+          <p:cNvPr id="5" name="Imagen 4" descr="post2"/>
+          <p:cNvPicPr>
+            <a:picLocks noChangeAspect="1"/>
+          </p:cNvPicPr>
+          <p:nvPr/>
+        </p:nvPicPr>
+        <p:blipFill>
+          <a:blip r:embed="rId2"/>
+          <a:stretch>
+            <a:fillRect/>
+          </a:stretch>
+        </p:blipFill>
+        <p:spPr>
+          <a:xfrm>
+            <a:off x="6543040" y="3429000"/>
+            <a:ext cx="4409440" cy="2557780"/>
+          </a:xfrm>
+          <a:prstGeom prst="rect">
+            <a:avLst/>
+          </a:prstGeom>
+        </p:spPr>
+      </p:pic>
+      <p:sp>
+        <p:nvSpPr>
+          <p:cNvPr id="9" name="Cuadro de texto 8"/>
+          <p:cNvSpPr txBox="1"/>
+          <p:nvPr/>
+        </p:nvSpPr>
+        <p:spPr>
+          <a:xfrm>
+            <a:off x="7719695" y="2898140"/>
+            <a:ext cx="1909445" cy="368300"/>
+          </a:xfrm>
+          <a:prstGeom prst="rect">
+            <a:avLst/>
+          </a:prstGeom>
+          <a:solidFill>
+            <a:srgbClr val="B4DF5A"/>
+          </a:solidFill>
+        </p:spPr>
+        <p:txBody>
+          <a:bodyPr wrap="square" rtlCol="0">
+            <a:noAutofit/>
+          </a:bodyPr>
+          <a:p>
+            <a:pPr algn="ctr"/>
+            <a:r>
+              <a:rPr lang="es-ES" altLang="en-US" sz="1600">
+                <a:solidFill>
+                  <a:schemeClr val="tx1"/>
+                </a:solidFill>
+                <a:uFillTx/>
+              </a:rPr>
+              <a:t>creamos un modelo</a:t>
+            </a:r>
+            <a:endParaRPr lang="es-ES" altLang="en-US" sz="1600">
+              <a:solidFill>
+                <a:schemeClr val="tx1"/>
+              </a:solidFill>
+              <a:uFillTx/>
+            </a:endParaRPr>
+          </a:p>
+        </p:txBody>
+      </p:sp>
+      <p:sp>
+        <p:nvSpPr>
+          <p:cNvPr id="6" name="Cuadro de texto 5"/>
+          <p:cNvSpPr txBox="1"/>
+          <p:nvPr/>
+        </p:nvSpPr>
+        <p:spPr>
+          <a:xfrm>
+            <a:off x="7352030" y="2057400"/>
+            <a:ext cx="1909445" cy="368300"/>
+          </a:xfrm>
+          <a:prstGeom prst="rect">
+            <a:avLst/>
+          </a:prstGeom>
+          <a:solidFill>
+            <a:srgbClr val="B4DF5A"/>
+          </a:solidFill>
+        </p:spPr>
+        <p:txBody>
+          <a:bodyPr wrap="square" rtlCol="0">
+            <a:noAutofit/>
+          </a:bodyPr>
+          <a:p>
+            <a:pPr algn="ctr"/>
+            <a:r>
+              <a:rPr lang="es-ES" altLang="en-US" sz="1600">
+                <a:solidFill>
+                  <a:schemeClr val="tx1"/>
+                </a:solidFill>
+                <a:uFillTx/>
+              </a:rPr>
+              <a:t>creamos una marca</a:t>
+            </a:r>
+            <a:endParaRPr lang="es-ES" altLang="en-US" sz="1600">
+              <a:solidFill>
+                <a:schemeClr val="tx1"/>
+              </a:solidFill>
+              <a:uFillTx/>
+            </a:endParaRPr>
+          </a:p>
+        </p:txBody>
+      </p:sp>
+      <p:sp>
+        <p:nvSpPr>
+          <p:cNvPr id="11" name="Flecha derecha 10"/>
           <p:cNvSpPr/>
           <p:nvPr/>
         </p:nvSpPr>
         <p:spPr>
+          <a:xfrm rot="10800000">
+            <a:off x="6612255" y="2235835"/>
+            <a:ext cx="739775" cy="76200"/>
+          </a:xfrm>
+          <a:prstGeom prst="rightArrow">
+            <a:avLst/>
+          </a:prstGeom>
+        </p:spPr>
+        <p:style>
+          <a:lnRef idx="2">
+            <a:schemeClr val="accent1">
+              <a:lumMod val="75000"/>
+            </a:schemeClr>
+          </a:lnRef>
+          <a:fillRef idx="1">
+            <a:schemeClr val="accent1"/>
+          </a:fillRef>
+          <a:effectRef idx="0">
+            <a:srgbClr val="FFFFFF"/>
+          </a:effectRef>
+          <a:fontRef idx="minor">
+            <a:schemeClr val="lt1"/>
+          </a:fontRef>
+        </p:style>
+        <p:txBody>
+          <a:bodyPr rtlCol="0" anchor="ctr"/>
+          <a:p>
+            <a:pPr algn="ctr"/>
+            <a:endParaRPr lang="es-ES" altLang="en-US"/>
+          </a:p>
+        </p:txBody>
+      </p:sp>
+      <p:sp>
+        <p:nvSpPr>
+          <p:cNvPr id="8" name="Flecha hacia abajo 7"/>
+          <p:cNvSpPr/>
+          <p:nvPr/>
+        </p:nvSpPr>
+        <p:spPr>
           <a:xfrm>
-            <a:off x="1193165" y="2533650"/>
-            <a:ext cx="1924050" cy="390525"/>
-          </a:xfrm>
-          <a:prstGeom prst="stripedRightArrow">
+            <a:off x="8569960" y="3266440"/>
+            <a:ext cx="85725" cy="406400"/>
+          </a:xfrm>
+          <a:prstGeom prst="downArrow">
             <a:avLst/>
           </a:prstGeom>
         </p:spPr>
@@ -6029,9 +6847,10 @@
         <p:txBody>
           <a:bodyPr/>
           <a:p>
+            <a:pPr algn="ctr"/>
             <a:r>
               <a:rPr lang="es-ES" altLang="en-US"/>
-              <a:t>				POSTMAN</a:t>
+              <a:t>POSTMAN</a:t>
             </a:r>
             <a:endParaRPr lang="es-ES" altLang="en-US"/>
           </a:p>
@@ -6053,7 +6872,7 @@
           <a:p>
             <a:r>
               <a:rPr lang="es-ES" altLang="en-US"/>
-              <a:t>Creamos nuevos registros: </a:t>
+              <a:t>Modificamos registros</a:t>
             </a:r>
             <a:endParaRPr lang="es-ES" altLang="en-US"/>
           </a:p>
@@ -6061,7 +6880,7 @@
       </p:sp>
       <p:pic>
         <p:nvPicPr>
-          <p:cNvPr id="4" name="Imagen 3" descr="owner"/>
+          <p:cNvPr id="5" name="Imagen 4" descr="put"/>
           <p:cNvPicPr>
             <a:picLocks noChangeAspect="1"/>
           </p:cNvPicPr>
@@ -6075,14 +6894,95 @@
         </p:blipFill>
         <p:spPr>
           <a:xfrm>
-            <a:off x="2112010" y="2304415"/>
-            <a:ext cx="7358380" cy="4487545"/>
+            <a:off x="3969385" y="2291715"/>
+            <a:ext cx="7291070" cy="4425315"/>
           </a:xfrm>
           <a:prstGeom prst="rect">
             <a:avLst/>
           </a:prstGeom>
         </p:spPr>
       </p:pic>
+      <p:sp>
+        <p:nvSpPr>
+          <p:cNvPr id="11" name="Flecha derecha 10"/>
+          <p:cNvSpPr/>
+          <p:nvPr/>
+        </p:nvSpPr>
+        <p:spPr>
+          <a:xfrm>
+            <a:off x="2314575" y="2764155"/>
+            <a:ext cx="1440180" cy="96520"/>
+          </a:xfrm>
+          <a:prstGeom prst="rightArrow">
+            <a:avLst/>
+          </a:prstGeom>
+        </p:spPr>
+        <p:style>
+          <a:lnRef idx="2">
+            <a:schemeClr val="accent1">
+              <a:lumMod val="75000"/>
+            </a:schemeClr>
+          </a:lnRef>
+          <a:fillRef idx="1">
+            <a:schemeClr val="accent1"/>
+          </a:fillRef>
+          <a:effectRef idx="0">
+            <a:srgbClr val="FFFFFF"/>
+          </a:effectRef>
+          <a:fontRef idx="minor">
+            <a:schemeClr val="lt1"/>
+          </a:fontRef>
+        </p:style>
+        <p:txBody>
+          <a:bodyPr rtlCol="0" anchor="ctr"/>
+          <a:p>
+            <a:pPr algn="ctr"/>
+            <a:endParaRPr lang="es-ES" altLang="en-US"/>
+          </a:p>
+        </p:txBody>
+      </p:sp>
+      <p:sp>
+        <p:nvSpPr>
+          <p:cNvPr id="9" name="Cuadro de texto 8"/>
+          <p:cNvSpPr txBox="1"/>
+          <p:nvPr/>
+        </p:nvSpPr>
+        <p:spPr>
+          <a:xfrm>
+            <a:off x="287655" y="2344420"/>
+            <a:ext cx="1909445" cy="936625"/>
+          </a:xfrm>
+          <a:prstGeom prst="rect">
+            <a:avLst/>
+          </a:prstGeom>
+          <a:solidFill>
+            <a:srgbClr val="B4DF5A"/>
+          </a:solidFill>
+        </p:spPr>
+        <p:txBody>
+          <a:bodyPr wrap="square" rtlCol="0">
+            <a:noAutofit/>
+          </a:bodyPr>
+          <a:p>
+            <a:pPr algn="ctr"/>
+            <a:r>
+              <a:rPr lang="es-ES" altLang="en-US" sz="1600">
+                <a:solidFill>
+                  <a:schemeClr val="tx1"/>
+                </a:solidFill>
+                <a:uFillTx/>
+              </a:rPr>
+              <a:t>Modificamos caracteriticas de coche</a:t>
+            </a:r>
+            <a:endParaRPr lang="es-ES" altLang="en-US" sz="1600">
+              <a:solidFill>
+                <a:schemeClr val="tx1"/>
+              </a:solidFill>
+              <a:uFillTx/>
+            </a:endParaRPr>
+          </a:p>
+        </p:txBody>
+      </p:sp>
     </p:spTree>
   </p:cSld>
   <p:clrMapOvr>
@@ -6138,13 +7038,17 @@
         <p:txBody>
           <a:bodyPr/>
           <a:p>
+            <a:r>
+              <a:rPr lang="es-ES" altLang="en-US"/>
+              <a:t>Borramos registros</a:t>
+            </a:r>
             <a:endParaRPr lang="es-ES" altLang="en-US"/>
           </a:p>
         </p:txBody>
       </p:sp>
       <p:pic>
         <p:nvPicPr>
-          <p:cNvPr id="4" name="Imagen 3" descr="post1"/>
+          <p:cNvPr id="4" name="Imagen 3" descr="delete1"/>
           <p:cNvPicPr>
             <a:picLocks noChangeAspect="1"/>
           </p:cNvPicPr>
@@ -6158,8 +7062,8 @@
         </p:blipFill>
         <p:spPr>
           <a:xfrm>
-            <a:off x="647700" y="1825625"/>
-            <a:ext cx="5448300" cy="2877820"/>
+            <a:off x="467360" y="2308225"/>
+            <a:ext cx="5710555" cy="3395980"/>
           </a:xfrm>
           <a:prstGeom prst="rect">
             <a:avLst/>
@@ -6168,7 +7072,7 @@
       </p:pic>
       <p:pic>
         <p:nvPicPr>
-          <p:cNvPr id="5" name="Imagen 4" descr="post2"/>
+          <p:cNvPr id="5" name="Imagen 4" descr="delete2"/>
           <p:cNvPicPr>
             <a:picLocks noChangeAspect="1"/>
           </p:cNvPicPr>
@@ -6182,14 +7086,56 @@
         </p:blipFill>
         <p:spPr>
           <a:xfrm>
-            <a:off x="6543040" y="3429000"/>
-            <a:ext cx="4409440" cy="2557780"/>
+            <a:off x="6177915" y="2495550"/>
+            <a:ext cx="5991225" cy="2771775"/>
           </a:xfrm>
           <a:prstGeom prst="rect">
             <a:avLst/>
           </a:prstGeom>
         </p:spPr>
       </p:pic>
+      <p:sp>
+        <p:nvSpPr>
+          <p:cNvPr id="9" name="Cuadro de texto 8"/>
+          <p:cNvSpPr txBox="1"/>
+          <p:nvPr/>
+        </p:nvSpPr>
+        <p:spPr>
+          <a:xfrm>
+            <a:off x="4829175" y="5605145"/>
+            <a:ext cx="1909445" cy="368300"/>
+          </a:xfrm>
+          <a:prstGeom prst="rect">
+            <a:avLst/>
+          </a:prstGeom>
+          <a:solidFill>
+            <a:srgbClr val="B4DF5A"/>
+          </a:solidFill>
+        </p:spPr>
+        <p:txBody>
+          <a:bodyPr wrap="square" rtlCol="0">
+            <a:noAutofit/>
+          </a:bodyPr>
+          <a:p>
+            <a:pPr algn="ctr"/>
+            <a:r>
+              <a:rPr lang="es-ES" altLang="en-US" sz="1600">
+                <a:solidFill>
+                  <a:schemeClr val="tx1"/>
+                </a:solidFill>
+                <a:uFillTx/>
+              </a:rPr>
+              <a:t>Borramos el modelo</a:t>
+            </a:r>
+            <a:endParaRPr lang="es-ES" altLang="en-US" sz="1600">
+              <a:solidFill>
+                <a:schemeClr val="tx1"/>
+              </a:solidFill>
+              <a:uFillTx/>
+            </a:endParaRPr>
+          </a:p>
+        </p:txBody>
+      </p:sp>
     </p:spTree>
   </p:cSld>
   <p:clrMapOvr>
@@ -6247,15 +7193,57 @@
           <a:p>
             <a:r>
               <a:rPr lang="es-ES" altLang="en-US"/>
-              <a:t>Modificamos registros</a:t>
-            </a:r>
-            <a:endParaRPr lang="es-ES" altLang="en-US"/>
+              <a:t>Hacemos una busqueda de coches por su modelo y marca</a:t>
+            </a:r>
+            <a:endParaRPr lang="es-ES" altLang="en-US"/>
+          </a:p>
+        </p:txBody>
+      </p:sp>
+      <p:sp>
+        <p:nvSpPr>
+          <p:cNvPr id="9" name="Cuadro de texto 8"/>
+          <p:cNvSpPr txBox="1"/>
+          <p:nvPr/>
+        </p:nvSpPr>
+        <p:spPr>
+          <a:xfrm>
+            <a:off x="8535670" y="2336800"/>
+            <a:ext cx="1909445" cy="368300"/>
+          </a:xfrm>
+          <a:prstGeom prst="rect">
+            <a:avLst/>
+          </a:prstGeom>
+          <a:solidFill>
+            <a:srgbClr val="B4DF5A"/>
+          </a:solidFill>
+        </p:spPr>
+        <p:txBody>
+          <a:bodyPr wrap="square" rtlCol="0">
+            <a:noAutofit/>
+          </a:bodyPr>
+          <a:p>
+            <a:pPr algn="ctr"/>
+            <a:r>
+              <a:rPr lang="es-ES" altLang="en-US" sz="1600">
+                <a:solidFill>
+                  <a:schemeClr val="tx1"/>
+                </a:solidFill>
+                <a:uFillTx/>
+              </a:rPr>
+              <a:t>buscamos por la uri</a:t>
+            </a:r>
+            <a:endParaRPr lang="es-ES" altLang="en-US" sz="1600">
+              <a:solidFill>
+                <a:schemeClr val="tx1"/>
+              </a:solidFill>
+              <a:uFillTx/>
+            </a:endParaRPr>
           </a:p>
         </p:txBody>
       </p:sp>
       <p:pic>
         <p:nvPicPr>
-          <p:cNvPr id="5" name="Imagen 4" descr="put"/>
+          <p:cNvPr id="8" name="Imagen 7"/>
           <p:cNvPicPr>
             <a:picLocks noChangeAspect="1"/>
           </p:cNvPicPr>
@@ -6269,8 +7257,95 @@
         </p:blipFill>
         <p:spPr>
           <a:xfrm>
-            <a:off x="3969385" y="2291715"/>
-            <a:ext cx="7291070" cy="4425315"/>
+            <a:off x="403860" y="2406650"/>
+            <a:ext cx="5715000" cy="1911350"/>
+          </a:xfrm>
+          <a:prstGeom prst="rect">
+            <a:avLst/>
+          </a:prstGeom>
+        </p:spPr>
+      </p:pic>
+      <p:pic>
+        <p:nvPicPr>
+          <p:cNvPr id="10" name="Imagen 9"/>
+          <p:cNvPicPr>
+            <a:picLocks noChangeAspect="1"/>
+          </p:cNvPicPr>
+          <p:nvPr/>
+        </p:nvPicPr>
+        <p:blipFill>
+          <a:blip r:embed="rId2"/>
+          <a:stretch>
+            <a:fillRect/>
+          </a:stretch>
+        </p:blipFill>
+        <p:spPr>
+          <a:xfrm>
+            <a:off x="6418580" y="2960370"/>
+            <a:ext cx="5450205" cy="3138805"/>
+          </a:xfrm>
+          <a:prstGeom prst="rect">
+            <a:avLst/>
+          </a:prstGeom>
+        </p:spPr>
+      </p:pic>
+      <p:sp>
+        <p:nvSpPr>
+          <p:cNvPr id="11" name="Flecha izquierda 10"/>
+          <p:cNvSpPr/>
+          <p:nvPr/>
+        </p:nvSpPr>
+        <p:spPr>
+          <a:xfrm rot="19440000">
+            <a:off x="7914640" y="2506980"/>
+            <a:ext cx="589280" cy="300355"/>
+          </a:xfrm>
+          <a:prstGeom prst="leftArrow">
+            <a:avLst/>
+          </a:prstGeom>
+        </p:spPr>
+        <p:style>
+          <a:lnRef idx="2">
+            <a:schemeClr val="accent1">
+              <a:lumMod val="75000"/>
+            </a:schemeClr>
+          </a:lnRef>
+          <a:fillRef idx="1">
+            <a:schemeClr val="accent1"/>
+          </a:fillRef>
+          <a:effectRef idx="0">
+            <a:srgbClr val="FFFFFF"/>
+          </a:effectRef>
+          <a:fontRef idx="minor">
+            <a:schemeClr val="lt1"/>
+          </a:fontRef>
+        </p:style>
+        <p:txBody>
+          <a:bodyPr rtlCol="0" anchor="ctr"/>
+          <a:p>
+            <a:pPr algn="ctr"/>
+            <a:endParaRPr lang="es-ES" altLang="en-US"/>
+          </a:p>
+        </p:txBody>
+      </p:sp>
+      <p:pic>
+        <p:nvPicPr>
+          <p:cNvPr id="13" name="Imagen 12"/>
+          <p:cNvPicPr>
+            <a:picLocks noChangeAspect="1"/>
+          </p:cNvPicPr>
+          <p:nvPr/>
+        </p:nvPicPr>
+        <p:blipFill>
+          <a:blip r:embed="rId3"/>
+          <a:stretch>
+            <a:fillRect/>
+          </a:stretch>
+        </p:blipFill>
+        <p:spPr>
+          <a:xfrm>
+            <a:off x="403860" y="4467860"/>
+            <a:ext cx="5722620" cy="1905000"/>
           </a:xfrm>
           <a:prstGeom prst="rect">
             <a:avLst/>
@@ -6312,7 +7387,7 @@
             <a:pPr algn="ctr"/>
             <a:r>
               <a:rPr lang="es-ES" altLang="en-US"/>
-              <a:t>POSTMAN</a:t>
+              <a:t>RESUMEN</a:t>
             </a:r>
             <a:endParaRPr lang="es-ES" altLang="en-US"/>
           </a:p>
@@ -6330,64 +7405,93 @@
         </p:nvSpPr>
         <p:spPr/>
         <p:txBody>
-          <a:bodyPr/>
-          <a:p>
-            <a:r>
-              <a:rPr lang="es-ES" altLang="en-US"/>
-              <a:t>Borramos registros</a:t>
-            </a:r>
-            <a:endParaRPr lang="es-ES" altLang="en-US"/>
-          </a:p>
-        </p:txBody>
-      </p:sp>
-      <p:pic>
-        <p:nvPicPr>
-          <p:cNvPr id="4" name="Imagen 3" descr="delete1"/>
-          <p:cNvPicPr>
-            <a:picLocks noChangeAspect="1"/>
-          </p:cNvPicPr>
-          <p:nvPr/>
-        </p:nvPicPr>
-        <p:blipFill>
-          <a:blip r:embed="rId1"/>
-          <a:stretch>
-            <a:fillRect/>
-          </a:stretch>
-        </p:blipFill>
-        <p:spPr>
-          <a:xfrm>
-            <a:off x="467360" y="2308225"/>
-            <a:ext cx="5710555" cy="3395980"/>
-          </a:xfrm>
-          <a:prstGeom prst="rect">
-            <a:avLst/>
-          </a:prstGeom>
-        </p:spPr>
-      </p:pic>
-      <p:pic>
-        <p:nvPicPr>
-          <p:cNvPr id="5" name="Imagen 4" descr="delete2"/>
-          <p:cNvPicPr>
-            <a:picLocks noChangeAspect="1"/>
-          </p:cNvPicPr>
-          <p:nvPr/>
-        </p:nvPicPr>
-        <p:blipFill>
-          <a:blip r:embed="rId2"/>
-          <a:stretch>
-            <a:fillRect/>
-          </a:stretch>
-        </p:blipFill>
-        <p:spPr>
-          <a:xfrm>
-            <a:off x="6177915" y="2495550"/>
-            <a:ext cx="5991225" cy="2771775"/>
-          </a:xfrm>
-          <a:prstGeom prst="rect">
-            <a:avLst/>
-          </a:prstGeom>
-        </p:spPr>
-      </p:pic>
+          <a:bodyPr>
+            <a:normAutofit fontScale="90000"/>
+          </a:bodyPr>
+          <a:p>
+            <a:pPr marL="457200" lvl="1" indent="0">
+              <a:buNone/>
+            </a:pPr>
+            <a:r>
+              <a:rPr lang="es-ES" altLang="en-US" sz="2000"/>
+              <a:t>Aunque ya había trabajo antes con base de datos y con JDBC en Java, y algo de Hibernate, lo que más me ha costado asimilar es como funciona en Springboot la tecnología JPA, he estado revisando varios manuales para ver como podría realizar posibles consultas derivadas, y aunque te permite varios formatos:</a:t>
+            </a:r>
+            <a:endParaRPr lang="es-ES" altLang="en-US" sz="2000"/>
+          </a:p>
+          <a:p>
+            <a:pPr lvl="1" indent="457200"/>
+            <a:r>
+              <a:rPr lang="es-ES" altLang="en-US" sz="2000"/>
+              <a:t>Metodos de Query (Keywords)</a:t>
+            </a:r>
+            <a:endParaRPr lang="es-ES" altLang="en-US" sz="2000"/>
+          </a:p>
+          <a:p>
+            <a:pPr lvl="1" indent="457200"/>
+            <a:r>
+              <a:rPr lang="es-ES" altLang="en-US" sz="2000"/>
+              <a:t>@Query con JPQL</a:t>
+            </a:r>
+            <a:endParaRPr lang="es-ES" altLang="en-US" sz="2000"/>
+          </a:p>
+          <a:p>
+            <a:pPr lvl="1" indent="457200"/>
+            <a:r>
+              <a:rPr lang="es-ES" altLang="en-US" sz="2000"/>
+              <a:t>@Querys navitas (con SQL)</a:t>
+            </a:r>
+            <a:r>
+              <a:rPr lang="es-ES" altLang="en-US" sz="1710"/>
+              <a:t>.</a:t>
+            </a:r>
+            <a:endParaRPr lang="es-ES" altLang="en-US" sz="1710"/>
+          </a:p>
+          <a:p>
+            <a:pPr lvl="1" indent="0">
+              <a:buNone/>
+            </a:pPr>
+            <a:endParaRPr lang="es-ES" altLang="en-US" sz="2000"/>
+          </a:p>
+          <a:p>
+            <a:pPr lvl="1" indent="0">
+              <a:buNone/>
+            </a:pPr>
+            <a:r>
+              <a:rPr lang="es-ES" altLang="en-US" sz="2000"/>
+              <a:t>He visto que para hacer determinadas cosas se pueden utilizar unas u otras, y las más complejas para mi han sido aquellas en las que si bien con sql en WordBench si soy capaz de realizar, en las que he empleado en este proyecto me ha supuesto bastante esfuerzo.</a:t>
+            </a:r>
+            <a:endParaRPr lang="es-ES" altLang="en-US" sz="2000"/>
+          </a:p>
+          <a:p>
+            <a:pPr lvl="1" indent="0">
+              <a:buNone/>
+            </a:pPr>
+            <a:endParaRPr lang="es-ES" altLang="en-US" sz="2000"/>
+          </a:p>
+          <a:p>
+            <a:pPr lvl="1" indent="0">
+              <a:buNone/>
+            </a:pPr>
+            <a:r>
+              <a:rPr lang="es-ES" altLang="en-US" sz="2000"/>
+              <a:t>Es la primera vez que creo un proyecto MVC desde cero, veo que todo lo que hasta hoy nos han enseñado me ha podido servir para poder realizar este proyecto final, por lo que, me siento muy orgulloso de todo lo que he podido realizar..</a:t>
+            </a:r>
+            <a:endParaRPr lang="es-ES" altLang="en-US" sz="2000"/>
+          </a:p>
+          <a:p>
+            <a:pPr lvl="1" indent="0">
+              <a:buNone/>
+            </a:pPr>
+            <a:endParaRPr lang="es-ES" altLang="en-US" sz="2000"/>
+          </a:p>
+          <a:p>
+            <a:pPr lvl="1" indent="0">
+              <a:buNone/>
+            </a:pPr>
+            <a:endParaRPr lang="es-ES" altLang="en-US" sz="2000"/>
+          </a:p>
+        </p:txBody>
+      </p:sp>
     </p:spTree>
   </p:cSld>
   <p:clrMapOvr>
@@ -6422,83 +7526,58 @@
           <a:p>
             <a:pPr algn="ctr"/>
             <a:r>
+              <a:rPr lang="es-ES" altLang="en-US">
+                <a:sym typeface="+mn-ea"/>
+              </a:rPr>
+              <a:t>RESUMEN</a:t>
+            </a:r>
+            <a:endParaRPr lang="es-ES" altLang="en-US"/>
+          </a:p>
+        </p:txBody>
+      </p:sp>
+      <p:sp>
+        <p:nvSpPr>
+          <p:cNvPr id="3" name="Marcador de posición de contenido 2"/>
+          <p:cNvSpPr>
+            <a:spLocks noGrp="1"/>
+          </p:cNvSpPr>
+          <p:nvPr>
+            <p:ph idx="1"/>
+          </p:nvPr>
+        </p:nvSpPr>
+        <p:spPr/>
+        <p:txBody>
+          <a:bodyPr/>
+          <a:p>
+            <a:r>
               <a:rPr lang="es-ES" altLang="en-US"/>
-              <a:t>RESUMEN</a:t>
-            </a:r>
-            <a:endParaRPr lang="es-ES" altLang="en-US"/>
-          </a:p>
-        </p:txBody>
-      </p:sp>
-      <p:sp>
-        <p:nvSpPr>
-          <p:cNvPr id="3" name="Marcador de posición de contenido 2"/>
-          <p:cNvSpPr>
-            <a:spLocks noGrp="1"/>
-          </p:cNvSpPr>
-          <p:nvPr>
-            <p:ph idx="1"/>
-          </p:nvPr>
-        </p:nvSpPr>
-        <p:spPr/>
-        <p:txBody>
-          <a:bodyPr/>
-          <a:p>
-            <a:pPr marL="457200" lvl="1" indent="0">
-              <a:buNone/>
-            </a:pPr>
-            <a:r>
-              <a:rPr lang="es-ES" altLang="en-US" sz="2000"/>
-              <a:t>Aunque ya había trabajo antes con base de datos y con JDBC en Java, y algo de Hibernate, lo que más me ha costado asimilar es como funciona en Springboot JPA, he estado revisando varios manuales para ver como podría realizar posibles consultas derivadas, y aunque te permite varios formatos:</a:t>
-            </a:r>
-            <a:endParaRPr lang="es-ES" altLang="en-US" sz="2000"/>
-          </a:p>
-          <a:p>
-            <a:pPr lvl="1" indent="457200"/>
-            <a:r>
-              <a:rPr lang="es-ES" altLang="en-US" sz="2000"/>
-              <a:t>Metodos de Query (Keywords)</a:t>
-            </a:r>
-            <a:endParaRPr lang="es-ES" altLang="en-US" sz="2000"/>
-          </a:p>
-          <a:p>
-            <a:pPr lvl="1" indent="457200"/>
-            <a:r>
-              <a:rPr lang="es-ES" altLang="en-US" sz="2000"/>
-              <a:t>@Query con JPQL</a:t>
-            </a:r>
-            <a:endParaRPr lang="es-ES" altLang="en-US" sz="2000"/>
-          </a:p>
-          <a:p>
-            <a:pPr lvl="1" indent="457200"/>
-            <a:r>
-              <a:rPr lang="es-ES" altLang="en-US" sz="2000"/>
-              <a:t>@Querys navitas (con SQL)</a:t>
-            </a:r>
-            <a:r>
-              <a:rPr lang="es-ES" altLang="en-US" sz="1710"/>
-              <a:t>.</a:t>
-            </a:r>
-            <a:endParaRPr lang="es-ES" altLang="en-US" sz="1710"/>
-          </a:p>
-          <a:p>
-            <a:pPr lvl="1" indent="457200"/>
-            <a:endParaRPr lang="es-ES" altLang="en-US" sz="2000"/>
-          </a:p>
-          <a:p>
-            <a:pPr lvl="1" indent="0">
-              <a:buNone/>
-            </a:pPr>
-            <a:r>
-              <a:rPr lang="es-ES" altLang="en-US" sz="2000"/>
-              <a:t>He visto que para hacer determinadas cosas se pueden utilizar unas u otras, y las más complejas para mi han sido aquellas en las que si bien con sql en WordBench si soy capaz de realizar, en las que he empleado en este proyecto me ha supuesto bastante esfuerzo.</a:t>
-            </a:r>
-            <a:endParaRPr lang="es-ES" altLang="en-US" sz="2000"/>
-          </a:p>
-          <a:p>
-            <a:pPr lvl="1" indent="0">
-              <a:buNone/>
-            </a:pPr>
-            <a:endParaRPr lang="es-ES" altLang="en-US" sz="2000"/>
+              <a:t>Se podría mejorar en varios aspectos:</a:t>
+            </a:r>
+            <a:endParaRPr lang="es-ES" altLang="en-US"/>
+          </a:p>
+          <a:p>
+            <a:pPr indent="457200"/>
+            <a:r>
+              <a:rPr lang="es-ES" altLang="en-US"/>
+              <a:t>- Filtros más detallados de cada vehiculo, terminación, etc.</a:t>
+            </a:r>
+            <a:endParaRPr lang="es-ES" altLang="en-US"/>
+          </a:p>
+          <a:p>
+            <a:pPr indent="457200"/>
+            <a:r>
+              <a:rPr lang="es-ES" altLang="en-US"/>
+              <a:t>- Poder realizar las vistas en las que se pueda confeccionar un vehiculo a la medida del cliente.</a:t>
+            </a:r>
+            <a:endParaRPr lang="es-ES" altLang="en-US"/>
+          </a:p>
+          <a:p>
+            <a:pPr indent="457200"/>
+            <a:r>
+              <a:rPr lang="es-ES" altLang="en-US"/>
+              <a:t>- Poder realizar operaciones de CRUD más complejas(crear un coche desde cero en una sola insercción, así como poder borrar de igual manera.</a:t>
+            </a:r>
+            <a:endParaRPr lang="es-ES" altLang="en-US"/>
           </a:p>
         </p:txBody>
       </p:sp>
@@ -6579,7 +7658,7 @@
             <a:pPr indent="457200"/>
             <a:r>
               <a:rPr lang="es-ES" altLang="en-US"/>
-              <a:t>- CHATGPT.IA</a:t>
+              <a:t>- https://trifulcas.com</a:t>
             </a:r>
             <a:endParaRPr lang="es-ES" altLang="en-US"/>
           </a:p>
@@ -6657,7 +7736,7 @@
           <a:p>
             <a:r>
               <a:rPr lang="es-ES" altLang="en-US"/>
-              <a:t>A su vez, desean llevar un registro de vehiculos vendidos que puedan filtrar por marcas, modelo o mátricula.</a:t>
+              <a:t>A su vez, desean llevar un registro de vehiculos vendidos que puedan filtrar por marcas, modelo o por clientes, para futuras campañas publicitarias.</a:t>
             </a:r>
             <a:endParaRPr lang="es-ES" altLang="en-US"/>
           </a:p>
@@ -6697,98 +7776,112 @@
           <a:p>
             <a:pPr algn="ctr"/>
             <a:r>
+              <a:rPr lang="es-ES" altLang="en-US">
+                <a:sym typeface="+mn-ea"/>
+              </a:rPr>
+              <a:t>Técnologias usadas</a:t>
+            </a:r>
+            <a:endParaRPr lang="es-ES" altLang="en-US"/>
+          </a:p>
+        </p:txBody>
+      </p:sp>
+      <p:sp>
+        <p:nvSpPr>
+          <p:cNvPr id="3" name="Marcador de posición de contenido 2"/>
+          <p:cNvSpPr>
+            <a:spLocks noGrp="1"/>
+          </p:cNvSpPr>
+          <p:nvPr>
+            <p:ph idx="1"/>
+          </p:nvPr>
+        </p:nvSpPr>
+        <p:spPr/>
+        <p:txBody>
+          <a:bodyPr>
+            <a:normAutofit lnSpcReduction="10000"/>
+          </a:bodyPr>
+          <a:p>
+            <a:pPr algn="just"/>
+            <a:r>
               <a:rPr lang="es-ES" altLang="en-US"/>
-              <a:t>Conexion y creación de base de datos</a:t>
-            </a:r>
-            <a:endParaRPr lang="es-ES" altLang="en-US"/>
-          </a:p>
-        </p:txBody>
-      </p:sp>
-      <p:sp>
-        <p:nvSpPr>
-          <p:cNvPr id="3" name="Marcador de posición de contenido 2"/>
-          <p:cNvSpPr>
-            <a:spLocks noGrp="1"/>
-          </p:cNvSpPr>
-          <p:nvPr>
-            <p:ph idx="1"/>
-          </p:nvPr>
-        </p:nvSpPr>
-        <p:spPr/>
-        <p:txBody>
-          <a:bodyPr>
-            <a:normAutofit/>
-          </a:bodyPr>
-          <a:p>
+              <a:t>Para las diferentes tareas que va a realizar nuestra API, utilizaremos las siguientes tecnologias:</a:t>
+            </a:r>
+            <a:endParaRPr lang="es-ES" altLang="en-US"/>
+          </a:p>
+          <a:p>
+            <a:pPr indent="457200" algn="just"/>
+            <a:r>
+              <a:rPr lang="es-ES" altLang="en-US" b="1"/>
+              <a:t>- JPA</a:t>
+            </a:r>
             <a:r>
               <a:rPr lang="es-ES" altLang="en-US"/>
-              <a:t>La base de datos que vamos a utilizar es MySQL.</a:t>
-            </a:r>
-            <a:endParaRPr lang="es-ES" altLang="en-US"/>
-          </a:p>
-          <a:p>
-            <a:endParaRPr lang="es-ES" altLang="en-US"/>
-          </a:p>
-          <a:p>
+              <a:t>: 	Será la encargada de realizar todas aquellas consultas a la 		base de datos.</a:t>
+            </a:r>
+            <a:endParaRPr lang="es-ES" altLang="en-US"/>
+          </a:p>
+          <a:p>
+            <a:pPr indent="457200" algn="just"/>
+            <a:r>
+              <a:rPr lang="es-ES" altLang="en-US" b="1"/>
+              <a:t>- Conector MySQL</a:t>
+            </a:r>
             <a:r>
               <a:rPr lang="es-ES" altLang="en-US"/>
-              <a:t>Vamos a crear una base de datos llamada proyecto_Accenture.</a:t>
-            </a:r>
-            <a:endParaRPr lang="es-ES" altLang="en-US"/>
-          </a:p>
-          <a:p>
-            <a:endParaRPr lang="es-ES" altLang="en-US"/>
-          </a:p>
-          <a:p>
+              <a:t>: Nos proporciona la conexión con la base de datos.</a:t>
+            </a:r>
+            <a:endParaRPr lang="es-ES" altLang="en-US"/>
+          </a:p>
+          <a:p>
+            <a:pPr indent="457200" algn="just"/>
+            <a:r>
+              <a:rPr lang="es-ES" altLang="en-US" b="1"/>
+              <a:t>- WorkBench</a:t>
+            </a:r>
             <a:r>
               <a:rPr lang="es-ES" altLang="en-US"/>
-              <a:t>Las tablas a crear son las siguientes:</a:t>
-            </a:r>
-            <a:endParaRPr lang="es-ES" altLang="en-US"/>
-          </a:p>
-          <a:p>
-            <a:endParaRPr lang="es-ES" altLang="en-US"/>
-          </a:p>
-          <a:p>
-            <a:endParaRPr lang="es-ES" altLang="en-US"/>
-          </a:p>
-          <a:p>
-            <a:pPr indent="457200"/>
-            <a:endParaRPr lang="es-ES" altLang="en-US"/>
-          </a:p>
-          <a:p>
-            <a:endParaRPr lang="es-ES" altLang="en-US"/>
-          </a:p>
-          <a:p>
-            <a:pPr indent="457200"/>
-            <a:endParaRPr lang="es-ES" altLang="en-US"/>
-          </a:p>
-        </p:txBody>
-      </p:sp>
-      <p:pic>
-        <p:nvPicPr>
-          <p:cNvPr id="5" name="Imagen 4" descr="bbdd"/>
-          <p:cNvPicPr>
-            <a:picLocks noChangeAspect="1"/>
-          </p:cNvPicPr>
-          <p:nvPr/>
-        </p:nvPicPr>
-        <p:blipFill>
-          <a:blip r:embed="rId1"/>
-          <a:stretch>
-            <a:fillRect/>
-          </a:stretch>
-        </p:blipFill>
-        <p:spPr>
-          <a:xfrm>
-            <a:off x="647700" y="4432300"/>
-            <a:ext cx="9782175" cy="1890395"/>
-          </a:xfrm>
-          <a:prstGeom prst="rect">
-            <a:avLst/>
-          </a:prstGeom>
-        </p:spPr>
-      </p:pic>
+              <a:t>: gestor de base de datos.</a:t>
+            </a:r>
+            <a:endParaRPr lang="es-ES" altLang="en-US"/>
+          </a:p>
+          <a:p>
+            <a:pPr indent="457200" algn="just"/>
+            <a:r>
+              <a:rPr lang="es-ES" altLang="en-US" b="1"/>
+              <a:t>- Springboot</a:t>
+            </a:r>
+            <a:r>
+              <a:rPr lang="es-ES" altLang="en-US"/>
+              <a:t>: para realizar la api rest.</a:t>
+            </a:r>
+            <a:endParaRPr lang="es-ES" altLang="en-US"/>
+          </a:p>
+          <a:p>
+            <a:pPr indent="457200" algn="just"/>
+            <a:r>
+              <a:rPr lang="es-ES" altLang="en-US" b="1"/>
+              <a:t>- </a:t>
+            </a:r>
+            <a:r>
+              <a:rPr lang="es-ES" altLang="en-US" b="1">
+                <a:sym typeface="+mn-ea"/>
+              </a:rPr>
+              <a:t>Postman</a:t>
+            </a:r>
+            <a:r>
+              <a:rPr lang="es-ES" altLang="en-US">
+                <a:sym typeface="+mn-ea"/>
+              </a:rPr>
+              <a:t>: </a:t>
+            </a:r>
+            <a:r>
+              <a:rPr lang="es-ES" altLang="en-US"/>
+              <a:t>Para comprobar el funcionamiento utilizaremos la aplicación.</a:t>
+            </a:r>
+            <a:endParaRPr lang="es-ES" altLang="en-US"/>
+          </a:p>
+        </p:txBody>
+      </p:sp>
     </p:spTree>
   </p:cSld>
   <p:clrMapOvr>
@@ -6823,54 +7916,99 @@
           <a:p>
             <a:pPr algn="ctr"/>
             <a:r>
-              <a:rPr lang="es-ES" altLang="en-US">
+              <a:rPr lang="es-ES" altLang="en-US"/>
+              <a:t>Conexion y creación de base de datos</a:t>
+            </a:r>
+            <a:endParaRPr lang="es-ES" altLang="en-US"/>
+          </a:p>
+        </p:txBody>
+      </p:sp>
+      <p:sp>
+        <p:nvSpPr>
+          <p:cNvPr id="3" name="Marcador de posición de contenido 2"/>
+          <p:cNvSpPr>
+            <a:spLocks noGrp="1"/>
+          </p:cNvSpPr>
+          <p:nvPr>
+            <p:ph idx="1"/>
+          </p:nvPr>
+        </p:nvSpPr>
+        <p:spPr/>
+        <p:txBody>
+          <a:bodyPr>
+            <a:normAutofit/>
+          </a:bodyPr>
+          <a:p>
+            <a:endParaRPr lang="es-ES" altLang="en-US"/>
+          </a:p>
+          <a:p>
+            <a:pPr indent="457200"/>
+            <a:endParaRPr lang="es-ES" altLang="en-US"/>
+          </a:p>
+          <a:p>
+            <a:endParaRPr lang="es-ES" altLang="en-US"/>
+          </a:p>
+          <a:p>
+            <a:pPr indent="457200"/>
+            <a:endParaRPr lang="es-ES" altLang="en-US"/>
+          </a:p>
+        </p:txBody>
+      </p:sp>
+      <p:sp>
+        <p:nvSpPr>
+          <p:cNvPr id="6" name="Cuadro de texto 5"/>
+          <p:cNvSpPr txBox="1"/>
+          <p:nvPr/>
+        </p:nvSpPr>
+        <p:spPr>
+          <a:xfrm>
+            <a:off x="730250" y="1329055"/>
+            <a:ext cx="9022080" cy="818515"/>
+          </a:xfrm>
+          <a:prstGeom prst="rect">
+            <a:avLst/>
+          </a:prstGeom>
+          <a:noFill/>
+        </p:spPr>
+        <p:txBody>
+          <a:bodyPr wrap="square" rtlCol="0">
+            <a:noAutofit/>
+          </a:bodyPr>
+          <a:p>
+            <a:r>
+              <a:rPr lang="es-ES" altLang="en-US" sz="2000">
                 <a:sym typeface="+mn-ea"/>
               </a:rPr>
-              <a:t>Conexion y creación de base de datos</a:t>
-            </a:r>
-            <a:endParaRPr lang="es-ES" altLang="en-US"/>
-          </a:p>
-        </p:txBody>
-      </p:sp>
-      <p:sp>
-        <p:nvSpPr>
-          <p:cNvPr id="3" name="Marcador de posición de contenido 2"/>
-          <p:cNvSpPr>
-            <a:spLocks noGrp="1"/>
-          </p:cNvSpPr>
-          <p:nvPr>
-            <p:ph idx="1"/>
-          </p:nvPr>
-        </p:nvSpPr>
-        <p:spPr/>
-        <p:txBody>
-          <a:bodyPr/>
-          <a:p>
-            <a:r>
-              <a:rPr lang="es-ES" altLang="en-US">
+              <a:t>Se crea una base de datos llamada </a:t>
+            </a:r>
+            <a:r>
+              <a:rPr lang="es-ES" altLang="en-US" sz="2000" b="1">
                 <a:sym typeface="+mn-ea"/>
               </a:rPr>
-              <a:t>- Propietario: Contendrá los datos del propietario del vehiculo comprado en el concesionario </a:t>
-            </a:r>
-            <a:r>
-              <a:rPr lang="es-ES" altLang="en-US">
+              <a:t>proyecto_Accenture</a:t>
+            </a:r>
+            <a:r>
+              <a:rPr lang="es-ES" altLang="en-US" sz="2000">
                 <a:sym typeface="+mn-ea"/>
               </a:rPr>
-              <a:t>SalAuto S.L</a:t>
-            </a:r>
-            <a:endParaRPr lang="es-ES" altLang="en-US"/>
-          </a:p>
-          <a:p>
-            <a:endParaRPr lang="es-ES" altLang="en-US"/>
-          </a:p>
-          <a:p>
-            <a:endParaRPr lang="es-ES" altLang="en-US"/>
+              <a:t> en MySQL.</a:t>
+            </a:r>
+            <a:endParaRPr lang="es-ES" altLang="en-US" sz="2000"/>
+          </a:p>
+          <a:p>
+            <a:r>
+              <a:rPr lang="es-ES" altLang="en-US" sz="2000">
+                <a:sym typeface="+mn-ea"/>
+              </a:rPr>
+              <a:t>El modelo entidad-relación es:</a:t>
+            </a:r>
+            <a:endParaRPr lang="es-ES" altLang="en-US" sz="2000"/>
           </a:p>
         </p:txBody>
       </p:sp>
       <p:pic>
         <p:nvPicPr>
-          <p:cNvPr id="4" name="Imagen 3" descr="prop_tab"/>
+          <p:cNvPr id="7" name="Imagen 6" descr="tablas"/>
           <p:cNvPicPr>
             <a:picLocks noChangeAspect="1"/>
           </p:cNvPicPr>
@@ -6884,12 +8022,48 @@
         </p:blipFill>
         <p:spPr>
           <a:xfrm>
-            <a:off x="863600" y="2851150"/>
-            <a:ext cx="9509760" cy="2301240"/>
+            <a:off x="2507615" y="2147570"/>
+            <a:ext cx="6661150" cy="4585335"/>
           </a:xfrm>
           <a:prstGeom prst="rect">
             <a:avLst/>
           </a:prstGeom>
+          <a:gradFill>
+            <a:gsLst>
+              <a:gs pos="0">
+                <a:schemeClr val="accent1">
+                  <a:lumMod val="5000"/>
+                  <a:lumOff val="95000"/>
+                </a:schemeClr>
+              </a:gs>
+              <a:gs pos="74000">
+                <a:schemeClr val="accent1">
+                  <a:lumMod val="45000"/>
+                  <a:lumOff val="55000"/>
+                </a:schemeClr>
+              </a:gs>
+              <a:gs pos="83000">
+                <a:schemeClr val="accent1">
+                  <a:lumMod val="45000"/>
+                  <a:lumOff val="55000"/>
+                </a:schemeClr>
+              </a:gs>
+              <a:gs pos="100000">
+                <a:schemeClr val="accent1">
+                  <a:lumMod val="30000"/>
+                  <a:lumOff val="70000"/>
+                </a:schemeClr>
+              </a:gs>
+            </a:gsLst>
+            <a:lin ang="5400000" scaled="0"/>
+          </a:gradFill>
+          <a:effectLst>
+            <a:outerShdw blurRad="76200" dir="13500000" sy="23000" kx="1200000" algn="br" rotWithShape="0">
+              <a:prstClr val="black">
+                <a:alpha val="20000"/>
+              </a:prstClr>
+            </a:outerShdw>
+          </a:effectLst>
         </p:spPr>
       </p:pic>
     </p:spTree>
@@ -6950,9 +8124,32 @@
           <a:bodyPr/>
           <a:p>
             <a:r>
-              <a:rPr lang="es-ES" altLang="en-US"/>
-              <a:t>Para este caso vamos a agregar régistros para comprobar que se ha generado bien la tabla.</a:t>
-            </a:r>
+              <a:rPr lang="es-ES" altLang="en-US">
+                <a:sym typeface="+mn-ea"/>
+              </a:rPr>
+              <a:t>- </a:t>
+            </a:r>
+            <a:r>
+              <a:rPr lang="es-ES" altLang="en-US" b="1">
+                <a:sym typeface="+mn-ea"/>
+              </a:rPr>
+              <a:t>Propietario</a:t>
+            </a:r>
+            <a:r>
+              <a:rPr lang="es-ES" altLang="en-US">
+                <a:sym typeface="+mn-ea"/>
+              </a:rPr>
+              <a:t>: Contendrá los datos del propietario del vehiculo comprado en el concesionario </a:t>
+            </a:r>
+            <a:r>
+              <a:rPr lang="es-ES" altLang="en-US">
+                <a:sym typeface="+mn-ea"/>
+              </a:rPr>
+              <a:t>SalAuto S.L</a:t>
+            </a:r>
+            <a:endParaRPr lang="es-ES" altLang="en-US"/>
+          </a:p>
+          <a:p>
             <a:endParaRPr lang="es-ES" altLang="en-US"/>
           </a:p>
           <a:p>
@@ -6962,7 +8159,7 @@
       </p:sp>
       <p:pic>
         <p:nvPicPr>
-          <p:cNvPr id="4" name="Imagen 3" descr="prop_reg"/>
+          <p:cNvPr id="5" name="Imagen 4" descr="propietario"/>
           <p:cNvPicPr>
             <a:picLocks noChangeAspect="1"/>
           </p:cNvPicPr>
@@ -6976,8 +8173,32 @@
         </p:blipFill>
         <p:spPr>
           <a:xfrm>
-            <a:off x="915670" y="2735580"/>
-            <a:ext cx="9686925" cy="3940175"/>
+            <a:off x="6847840" y="2620645"/>
+            <a:ext cx="4175760" cy="3886200"/>
+          </a:xfrm>
+          <a:prstGeom prst="rect">
+            <a:avLst/>
+          </a:prstGeom>
+        </p:spPr>
+      </p:pic>
+      <p:pic>
+        <p:nvPicPr>
+          <p:cNvPr id="6" name="Imagen 5"/>
+          <p:cNvPicPr>
+            <a:picLocks noChangeAspect="1"/>
+          </p:cNvPicPr>
+          <p:nvPr/>
+        </p:nvPicPr>
+        <p:blipFill>
+          <a:blip r:embed="rId2"/>
+          <a:stretch>
+            <a:fillRect/>
+          </a:stretch>
+        </p:blipFill>
+        <p:spPr>
+          <a:xfrm>
+            <a:off x="367030" y="2736850"/>
+            <a:ext cx="6268720" cy="1910080"/>
           </a:xfrm>
           <a:prstGeom prst="rect">
             <a:avLst/>
@@ -6989,6 +8210,18 @@
   <p:clrMapOvr>
     <a:masterClrMapping/>
   </p:clrMapOvr>
+  <mc:AlternateContent xmlns:mc="http://schemas.openxmlformats.org/markup-compatibility/2006">
+    <mc:Choice xmlns:p14="http://schemas.microsoft.com/office/powerpoint/2010/main" Requires="p14">
+      <p:transition spd="slow" p14:dur="1000">
+        <p:wipe/>
+      </p:transition>
+    </mc:Choice>
+    <mc:Fallback>
+      <p:transition spd="slow">
+        <p:wipe/>
+      </p:transition>
+    </mc:Fallback>
+  </mc:AlternateContent>
 </p:sld>
 </file>
 
@@ -7043,9 +8276,13 @@
           <a:p>
             <a:r>
               <a:rPr lang="es-ES" altLang="en-US"/>
-              <a:t>Ahora vamos a crear la tabla Marca</a:t>
-            </a:r>
-            <a:endParaRPr lang="es-ES" altLang="en-US"/>
+              <a:t>- </a:t>
+            </a:r>
+            <a:r>
+              <a:rPr lang="es-ES" altLang="en-US" b="1"/>
+              <a:t>Marca</a:t>
+            </a:r>
+            <a:endParaRPr lang="es-ES" altLang="en-US" b="1"/>
           </a:p>
         </p:txBody>
       </p:sp>
@@ -7065,8 +8302,32 @@
         </p:blipFill>
         <p:spPr>
           <a:xfrm>
-            <a:off x="1471295" y="2853690"/>
-            <a:ext cx="7399020" cy="1150620"/>
+            <a:off x="720090" y="2853690"/>
+            <a:ext cx="7129780" cy="1417955"/>
+          </a:xfrm>
+          <a:prstGeom prst="rect">
+            <a:avLst/>
+          </a:prstGeom>
+        </p:spPr>
+      </p:pic>
+      <p:pic>
+        <p:nvPicPr>
+          <p:cNvPr id="6" name="Imagen 5"/>
+          <p:cNvPicPr>
+            <a:picLocks noChangeAspect="1"/>
+          </p:cNvPicPr>
+          <p:nvPr/>
+        </p:nvPicPr>
+        <p:blipFill>
+          <a:blip r:embed="rId2"/>
+          <a:stretch>
+            <a:fillRect/>
+          </a:stretch>
+        </p:blipFill>
+        <p:spPr>
+          <a:xfrm>
+            <a:off x="8480425" y="2521585"/>
+            <a:ext cx="1762760" cy="2980055"/>
           </a:xfrm>
           <a:prstGeom prst="rect">
             <a:avLst/>
@@ -7118,10 +8379,8 @@
       </p:sp>
       <p:sp>
         <p:nvSpPr>
-          <p:cNvPr id="3" name="Marcador de posición de contenido 2"/>
-          <p:cNvSpPr>
-            <a:spLocks noGrp="1"/>
-          </p:cNvSpPr>
+          <p:cNvPr id="5" name="Marcador de posición de contenido 4"/>
+          <p:cNvSpPr/>
           <p:nvPr>
             <p:ph idx="1"/>
           </p:nvPr>
@@ -7131,22 +8390,19 @@
           <a:bodyPr/>
           <a:p>
             <a:r>
-              <a:rPr lang="es-ES" altLang="en-US"/>
-              <a:t>Insertamos varios registros.</a:t>
-            </a:r>
-            <a:endParaRPr lang="es-ES" altLang="en-US"/>
-          </a:p>
-          <a:p>
-            <a:endParaRPr lang="es-ES" altLang="en-US"/>
-          </a:p>
-          <a:p>
-            <a:endParaRPr lang="es-ES" altLang="en-US"/>
+              <a:rPr lang="es-ES" altLang="en-US" b="1"/>
+              <a:t>- Modelo</a:t>
+            </a:r>
+            <a:endParaRPr lang="es-ES" altLang="en-US" b="1"/>
+          </a:p>
+          <a:p>
+            <a:endParaRPr lang="es-ES" altLang="en-US" b="1"/>
           </a:p>
         </p:txBody>
       </p:sp>
       <p:pic>
         <p:nvPicPr>
-          <p:cNvPr id="4" name="Imagen 3"/>
+          <p:cNvPr id="6" name="Imagen 5" descr="modelo_tab"/>
           <p:cNvPicPr>
             <a:picLocks noChangeAspect="1"/>
           </p:cNvPicPr>
@@ -7160,8 +8416,32 @@
         </p:blipFill>
         <p:spPr>
           <a:xfrm>
-            <a:off x="3319145" y="2595245"/>
-            <a:ext cx="4260850" cy="2568575"/>
+            <a:off x="822960" y="2909570"/>
+            <a:ext cx="6689725" cy="1662430"/>
+          </a:xfrm>
+          <a:prstGeom prst="rect">
+            <a:avLst/>
+          </a:prstGeom>
+        </p:spPr>
+      </p:pic>
+      <p:pic>
+        <p:nvPicPr>
+          <p:cNvPr id="4" name="Imagen 3" descr="modelo_reg"/>
+          <p:cNvPicPr>
+            <a:picLocks noChangeAspect="1"/>
+          </p:cNvPicPr>
+          <p:nvPr/>
+        </p:nvPicPr>
+        <p:blipFill>
+          <a:blip r:embed="rId2"/>
+          <a:stretch>
+            <a:fillRect/>
+          </a:stretch>
+        </p:blipFill>
+        <p:spPr>
+          <a:xfrm>
+            <a:off x="7934960" y="2608580"/>
+            <a:ext cx="3228340" cy="3190875"/>
           </a:xfrm>
           <a:prstGeom prst="rect">
             <a:avLst/>
@@ -7213,8 +8493,10 @@
       </p:sp>
       <p:sp>
         <p:nvSpPr>
-          <p:cNvPr id="5" name="Marcador de posición de contenido 4"/>
-          <p:cNvSpPr/>
+          <p:cNvPr id="3" name="Marcador de posición de contenido 2"/>
+          <p:cNvSpPr>
+            <a:spLocks noGrp="1"/>
+          </p:cNvSpPr>
           <p:nvPr>
             <p:ph idx="1"/>
           </p:nvPr>
@@ -7224,22 +8506,19 @@
           <a:bodyPr/>
           <a:p>
             <a:r>
-              <a:rPr lang="es-ES" altLang="en-US"/>
-              <a:t>Creamos la tabla de modelos que contendrá cada marca.</a:t>
-            </a:r>
-            <a:endParaRPr lang="es-ES" altLang="en-US"/>
-          </a:p>
-          <a:p>
-            <a:endParaRPr lang="es-ES" altLang="en-US"/>
-          </a:p>
-          <a:p>
-            <a:endParaRPr lang="es-ES" altLang="en-US"/>
+              <a:rPr lang="es-ES" altLang="en-US" b="1"/>
+              <a:t>- Coche</a:t>
+            </a:r>
+            <a:endParaRPr lang="es-ES" altLang="en-US" b="1"/>
+          </a:p>
+          <a:p>
+            <a:endParaRPr lang="es-ES" altLang="en-US" b="1"/>
           </a:p>
         </p:txBody>
       </p:sp>
       <p:pic>
         <p:nvPicPr>
-          <p:cNvPr id="6" name="Imagen 5" descr="modelo_tab"/>
+          <p:cNvPr id="4" name="Imagen 3" descr="coche_tabl"/>
           <p:cNvPicPr>
             <a:picLocks noChangeAspect="1"/>
           </p:cNvPicPr>
@@ -7253,8 +8532,32 @@
         </p:blipFill>
         <p:spPr>
           <a:xfrm>
-            <a:off x="856615" y="2909570"/>
-            <a:ext cx="9323705" cy="1889760"/>
+            <a:off x="647700" y="2531110"/>
+            <a:ext cx="5709285" cy="2393315"/>
+          </a:xfrm>
+          <a:prstGeom prst="rect">
+            <a:avLst/>
+          </a:prstGeom>
+        </p:spPr>
+      </p:pic>
+      <p:pic>
+        <p:nvPicPr>
+          <p:cNvPr id="5" name="Imagen 4" descr="coche_reg"/>
+          <p:cNvPicPr>
+            <a:picLocks noChangeAspect="1"/>
+          </p:cNvPicPr>
+          <p:nvPr/>
+        </p:nvPicPr>
+        <p:blipFill>
+          <a:blip r:embed="rId2"/>
+          <a:stretch>
+            <a:fillRect/>
+          </a:stretch>
+        </p:blipFill>
+        <p:spPr>
+          <a:xfrm>
+            <a:off x="6527165" y="3429000"/>
+            <a:ext cx="5316220" cy="2748280"/>
           </a:xfrm>
           <a:prstGeom prst="rect">
             <a:avLst/>
